--- a/phase3/ipc-phase3-presentation-T07-G3-FEUPeca.pptx
+++ b/phase3/ipc-phase3-presentation-T07-G3-FEUPeca.pptx
@@ -209,7 +209,7 @@
           <a:p>
             <a:fld id="{2E0A42B3-627C-4A92-AE5E-E104681B0535}" type="datetimeFigureOut">
               <a:rPr lang="pt-PT" smtClean="0"/>
-              <a:t>10/12/2022</a:t>
+              <a:t>11/12/2022</a:t>
             </a:fld>
             <a:endParaRPr lang="pt-PT" dirty="0"/>
           </a:p>
@@ -1722,7 +1722,7 @@
           <a:p>
             <a:fld id="{38A22FD5-41BF-4AC3-9B45-C9EE195255B8}" type="datetimeFigureOut">
               <a:rPr lang="pt-PT" smtClean="0"/>
-              <a:t>10/12/2022</a:t>
+              <a:t>11/12/2022</a:t>
             </a:fld>
             <a:endParaRPr lang="pt-PT" dirty="0"/>
           </a:p>
@@ -1920,7 +1920,7 @@
           <a:p>
             <a:fld id="{38A22FD5-41BF-4AC3-9B45-C9EE195255B8}" type="datetimeFigureOut">
               <a:rPr lang="pt-PT" smtClean="0"/>
-              <a:t>10/12/2022</a:t>
+              <a:t>11/12/2022</a:t>
             </a:fld>
             <a:endParaRPr lang="pt-PT" dirty="0"/>
           </a:p>
@@ -2128,7 +2128,7 @@
           <a:p>
             <a:fld id="{38A22FD5-41BF-4AC3-9B45-C9EE195255B8}" type="datetimeFigureOut">
               <a:rPr lang="pt-PT" smtClean="0"/>
-              <a:t>10/12/2022</a:t>
+              <a:t>11/12/2022</a:t>
             </a:fld>
             <a:endParaRPr lang="pt-PT" dirty="0"/>
           </a:p>
@@ -2326,7 +2326,7 @@
           <a:p>
             <a:fld id="{38A22FD5-41BF-4AC3-9B45-C9EE195255B8}" type="datetimeFigureOut">
               <a:rPr lang="pt-PT" smtClean="0"/>
-              <a:t>10/12/2022</a:t>
+              <a:t>11/12/2022</a:t>
             </a:fld>
             <a:endParaRPr lang="pt-PT" dirty="0"/>
           </a:p>
@@ -2601,7 +2601,7 @@
           <a:p>
             <a:fld id="{38A22FD5-41BF-4AC3-9B45-C9EE195255B8}" type="datetimeFigureOut">
               <a:rPr lang="pt-PT" smtClean="0"/>
-              <a:t>10/12/2022</a:t>
+              <a:t>11/12/2022</a:t>
             </a:fld>
             <a:endParaRPr lang="pt-PT" dirty="0"/>
           </a:p>
@@ -2866,7 +2866,7 @@
           <a:p>
             <a:fld id="{38A22FD5-41BF-4AC3-9B45-C9EE195255B8}" type="datetimeFigureOut">
               <a:rPr lang="pt-PT" smtClean="0"/>
-              <a:t>10/12/2022</a:t>
+              <a:t>11/12/2022</a:t>
             </a:fld>
             <a:endParaRPr lang="pt-PT" dirty="0"/>
           </a:p>
@@ -3278,7 +3278,7 @@
           <a:p>
             <a:fld id="{38A22FD5-41BF-4AC3-9B45-C9EE195255B8}" type="datetimeFigureOut">
               <a:rPr lang="pt-PT" smtClean="0"/>
-              <a:t>10/12/2022</a:t>
+              <a:t>11/12/2022</a:t>
             </a:fld>
             <a:endParaRPr lang="pt-PT" dirty="0"/>
           </a:p>
@@ -3419,7 +3419,7 @@
           <a:p>
             <a:fld id="{38A22FD5-41BF-4AC3-9B45-C9EE195255B8}" type="datetimeFigureOut">
               <a:rPr lang="pt-PT" smtClean="0"/>
-              <a:t>10/12/2022</a:t>
+              <a:t>11/12/2022</a:t>
             </a:fld>
             <a:endParaRPr lang="pt-PT" dirty="0"/>
           </a:p>
@@ -3532,7 +3532,7 @@
           <a:p>
             <a:fld id="{38A22FD5-41BF-4AC3-9B45-C9EE195255B8}" type="datetimeFigureOut">
               <a:rPr lang="pt-PT" smtClean="0"/>
-              <a:t>10/12/2022</a:t>
+              <a:t>11/12/2022</a:t>
             </a:fld>
             <a:endParaRPr lang="pt-PT" dirty="0"/>
           </a:p>
@@ -3843,7 +3843,7 @@
           <a:p>
             <a:fld id="{38A22FD5-41BF-4AC3-9B45-C9EE195255B8}" type="datetimeFigureOut">
               <a:rPr lang="pt-PT" smtClean="0"/>
-              <a:t>10/12/2022</a:t>
+              <a:t>11/12/2022</a:t>
             </a:fld>
             <a:endParaRPr lang="pt-PT" dirty="0"/>
           </a:p>
@@ -4131,7 +4131,7 @@
           <a:p>
             <a:fld id="{38A22FD5-41BF-4AC3-9B45-C9EE195255B8}" type="datetimeFigureOut">
               <a:rPr lang="pt-PT" smtClean="0"/>
-              <a:t>10/12/2022</a:t>
+              <a:t>11/12/2022</a:t>
             </a:fld>
             <a:endParaRPr lang="pt-PT" dirty="0"/>
           </a:p>
@@ -4372,7 +4372,7 @@
           <a:p>
             <a:fld id="{38A22FD5-41BF-4AC3-9B45-C9EE195255B8}" type="datetimeFigureOut">
               <a:rPr lang="pt-PT" smtClean="0"/>
-              <a:t>10/12/2022</a:t>
+              <a:t>11/12/2022</a:t>
             </a:fld>
             <a:endParaRPr lang="pt-PT" dirty="0"/>
           </a:p>
@@ -6627,7 +6627,7 @@
         </p:nvSpPr>
         <p:spPr>
           <a:xfrm>
-            <a:off x="3225681" y="850859"/>
+            <a:off x="3225681" y="752238"/>
             <a:ext cx="5737678" cy="584775"/>
           </a:xfrm>
           <a:prstGeom prst="rect">
@@ -6666,7 +6666,7 @@
         </p:nvSpPr>
         <p:spPr>
           <a:xfrm>
-            <a:off x="2401408" y="1835350"/>
+            <a:off x="2333610" y="1463585"/>
             <a:ext cx="7521819" cy="4524315"/>
           </a:xfrm>
           <a:prstGeom prst="rect">
@@ -6874,7 +6874,19 @@
             </a:r>
             <a:r>
               <a:rPr lang="pt-PT" dirty="0"/>
-              <a:t> “muito satisfeito”.</a:t>
+              <a:t> “</a:t>
+            </a:r>
+            <a:r>
+              <a:rPr lang="pt-PT" b="1" dirty="0">
+                <a:solidFill>
+                  <a:schemeClr val="accent1"/>
+                </a:solidFill>
+              </a:rPr>
+              <a:t>muito satisfeito</a:t>
+            </a:r>
+            <a:r>
+              <a:rPr lang="pt-PT" dirty="0"/>
+              <a:t>”.</a:t>
             </a:r>
           </a:p>
           <a:p>
@@ -7096,7 +7108,7 @@
           <a:p>
             <a:r>
               <a:rPr lang="pt-PT" dirty="0"/>
-              <a:t>No que toca aos requisitos de utilização, os objetivos de tempo e cliques ficaram abaixo dos intervalos de confiança, enquanto que o objetivo de erros ficou a cima dos intervalos, para todas as tarefas.</a:t>
+              <a:t>No que toca aos requisitos de utilização, os requisitos de tempo e cliques ficaram abaixo dos intervalos de confiança, enquanto que o objetivo de erros ficou a cima dos intervalos, para todas as tarefas.</a:t>
             </a:r>
           </a:p>
         </p:txBody>
@@ -7350,7 +7362,7 @@
         </p:nvSpPr>
         <p:spPr>
           <a:xfrm>
-            <a:off x="3225681" y="850859"/>
+            <a:off x="3225681" y="743531"/>
             <a:ext cx="5737678" cy="584775"/>
           </a:xfrm>
           <a:prstGeom prst="rect">
@@ -7389,8 +7401,8 @@
         </p:nvSpPr>
         <p:spPr>
           <a:xfrm>
-            <a:off x="2337682" y="1669434"/>
-            <a:ext cx="7060759" cy="1477328"/>
+            <a:off x="2098988" y="1621132"/>
+            <a:ext cx="8070729" cy="2862322"/>
           </a:xfrm>
           <a:prstGeom prst="rect">
             <a:avLst/>
@@ -7403,6 +7415,25 @@
           </a:bodyPr>
           <a:lstStyle/>
           <a:p>
+            <a:r>
+              <a:rPr lang="pt-PT" dirty="0"/>
+              <a:t>Finalmente os utilizadores responderam a uma serie de questões, numa escala de 1-5 (1- Discordo totalmente , 5 – Concordo totalmente).</a:t>
+            </a:r>
+          </a:p>
+          <a:p>
+            <a:endParaRPr lang="pt-PT" dirty="0"/>
+          </a:p>
+          <a:p>
+            <a:r>
+              <a:rPr lang="pt-PT" dirty="0"/>
+              <a:t>Dos inquéritos realizados conseguimos obter as seguintes conclusões:</a:t>
+            </a:r>
+          </a:p>
+          <a:p>
+            <a:pPr marL="285750" indent="-285750">
+              <a:buFont typeface="Arial" panose="020B0604020202020204" pitchFamily="34" charset="0"/>
+              <a:buChar char="•"/>
+            </a:pPr>
             <a:r>
               <a:rPr lang="pt-PT" dirty="0"/>
               <a:t>A maioria dos utilizadores afirmou que </a:t>
@@ -7421,11 +7452,17 @@
             </a:r>
             <a:r>
               <a:rPr lang="pt-PT" b="1" dirty="0"/>
-              <a:t>(30%-4 30%-5) </a:t>
-            </a:r>
+              <a:t>(30%-4 30%-5);</a:t>
+            </a:r>
+          </a:p>
+          <a:p>
+            <a:pPr marL="285750" indent="-285750">
+              <a:buFont typeface="Arial" panose="020B0604020202020204" pitchFamily="34" charset="0"/>
+              <a:buChar char="•"/>
+            </a:pPr>
             <a:r>
               <a:rPr lang="pt-PT" dirty="0"/>
-              <a:t>e que o </a:t>
+              <a:t>E que o </a:t>
             </a:r>
             <a:r>
               <a:rPr lang="pt-PT" b="1" dirty="0">
@@ -7441,25 +7478,44 @@
             </a:r>
             <a:r>
               <a:rPr lang="pt-PT" b="1" dirty="0"/>
-              <a:t>(60%-4 40%-5)</a:t>
-            </a:r>
+              <a:t>(60%-4 40%-5);</a:t>
+            </a:r>
+            <a:endParaRPr lang="pt-PT" dirty="0"/>
+          </a:p>
+          <a:p>
+            <a:pPr marL="285750" indent="-285750">
+              <a:buFont typeface="Arial" panose="020B0604020202020204" pitchFamily="34" charset="0"/>
+              <a:buChar char="•"/>
+            </a:pPr>
             <a:r>
               <a:rPr lang="pt-PT" dirty="0"/>
-              <a:t>.</a:t>
-            </a:r>
-          </a:p>
-          <a:p>
+              <a:t>Também afirmaram que que o </a:t>
+            </a:r>
+            <a:r>
+              <a:rPr lang="pt-PT" b="1" dirty="0">
+                <a:solidFill>
+                  <a:schemeClr val="accent1"/>
+                </a:solidFill>
+              </a:rPr>
+              <a:t>sistema é consistente</a:t>
+            </a:r>
             <a:r>
               <a:rPr lang="pt-PT" dirty="0"/>
-              <a:t>Também afirmaram que que o sistema é consistente </a:t>
+              <a:t> </a:t>
             </a:r>
             <a:r>
               <a:rPr lang="pt-PT" b="1" dirty="0"/>
-              <a:t>(30%-4 60%-5) </a:t>
-            </a:r>
+              <a:t>(30%-4 60%-5);</a:t>
+            </a:r>
+          </a:p>
+          <a:p>
+            <a:pPr marL="285750" indent="-285750">
+              <a:buFont typeface="Arial" panose="020B0604020202020204" pitchFamily="34" charset="0"/>
+              <a:buChar char="•"/>
+            </a:pPr>
             <a:r>
               <a:rPr lang="pt-PT" dirty="0"/>
-              <a:t>e </a:t>
+              <a:t>É </a:t>
             </a:r>
             <a:r>
               <a:rPr lang="pt-PT" b="1" dirty="0">
@@ -7471,23 +7527,41 @@
             </a:r>
             <a:r>
               <a:rPr lang="pt-PT" b="1" dirty="0"/>
-              <a:t> (20%-4 20%-5), </a:t>
-            </a:r>
+              <a:t> (20%-4 20%-5);</a:t>
+            </a:r>
+          </a:p>
+          <a:p>
+            <a:pPr marL="285750" indent="-285750">
+              <a:buClr>
+                <a:schemeClr val="tx1"/>
+              </a:buClr>
+              <a:buFont typeface="Arial" panose="020B0604020202020204" pitchFamily="34" charset="0"/>
+              <a:buChar char="•"/>
+            </a:pPr>
             <a:r>
               <a:rPr lang="pt-PT" b="1" dirty="0">
                 <a:solidFill>
                   <a:schemeClr val="accent1"/>
                 </a:solidFill>
               </a:rPr>
-              <a:t>não é desnecessariamente complexo </a:t>
+              <a:t>Não é desnecessariamente complexo </a:t>
             </a:r>
             <a:r>
               <a:rPr lang="pt-PT" b="1" dirty="0"/>
-              <a:t>(60%-1 40%-2) </a:t>
-            </a:r>
+              <a:t>(60%-1 40%-2);</a:t>
+            </a:r>
+          </a:p>
+          <a:p>
+            <a:pPr marL="285750" indent="-285750">
+              <a:buClr>
+                <a:schemeClr val="tx1"/>
+              </a:buClr>
+              <a:buFont typeface="Arial" panose="020B0604020202020204" pitchFamily="34" charset="0"/>
+              <a:buChar char="•"/>
+            </a:pPr>
             <a:r>
               <a:rPr lang="pt-PT" dirty="0"/>
-              <a:t>e tem um </a:t>
+              <a:t>E tem um </a:t>
             </a:r>
             <a:r>
               <a:rPr lang="pt-PT" b="1" dirty="0">
@@ -7706,8 +7780,8 @@
         </p:nvSpPr>
         <p:spPr>
           <a:xfrm>
-            <a:off x="2783147" y="2119631"/>
-            <a:ext cx="6622742" cy="1754326"/>
+            <a:off x="2508573" y="2132534"/>
+            <a:ext cx="7171887" cy="1754326"/>
           </a:xfrm>
           <a:prstGeom prst="rect">
             <a:avLst/>
@@ -7900,7 +7974,7 @@
         </p:nvSpPr>
         <p:spPr>
           <a:xfrm>
-            <a:off x="2006354" y="2337788"/>
+            <a:off x="2090690" y="1728022"/>
             <a:ext cx="8007658" cy="3250762"/>
           </a:xfrm>
           <a:prstGeom prst="rect">
@@ -8105,8 +8179,8 @@
         </p:nvSpPr>
         <p:spPr>
           <a:xfrm>
-            <a:off x="3222594" y="1520829"/>
-            <a:ext cx="5584055" cy="584775"/>
+            <a:off x="3368380" y="743531"/>
+            <a:ext cx="5452279" cy="584775"/>
           </a:xfrm>
           <a:prstGeom prst="rect">
             <a:avLst/>
@@ -8289,7 +8363,7 @@
         </p:nvSpPr>
         <p:spPr>
           <a:xfrm>
-            <a:off x="3322791" y="743531"/>
+            <a:off x="3322791" y="731688"/>
             <a:ext cx="5543458" cy="1077218"/>
           </a:xfrm>
           <a:prstGeom prst="rect">
@@ -8800,7 +8874,7 @@
         </p:blipFill>
         <p:spPr bwMode="auto">
           <a:xfrm>
-            <a:off x="554290" y="1594740"/>
+            <a:off x="554290" y="1584634"/>
             <a:ext cx="11080459" cy="3983399"/>
           </a:xfrm>
           <a:prstGeom prst="rect">
@@ -9319,7 +9393,7 @@
         </p:blipFill>
         <p:spPr bwMode="auto">
           <a:xfrm>
-            <a:off x="3192879" y="1575109"/>
+            <a:off x="3264441" y="1575109"/>
             <a:ext cx="5169184" cy="4834569"/>
           </a:xfrm>
           <a:prstGeom prst="rect">
@@ -10179,8 +10253,8 @@
         </p:nvSpPr>
         <p:spPr>
           <a:xfrm>
-            <a:off x="3673021" y="837972"/>
-            <a:ext cx="4842996" cy="584775"/>
+            <a:off x="3681683" y="743531"/>
+            <a:ext cx="4825669" cy="584775"/>
           </a:xfrm>
           <a:prstGeom prst="rect">
             <a:avLst/>
@@ -10199,7 +10273,7 @@
                   <a:schemeClr val="accent1"/>
                 </a:solidFill>
               </a:rPr>
-              <a:t>Sumario de </a:t>
+              <a:t>Sumário de </a:t>
             </a:r>
             <a:r>
               <a:rPr lang="pt-PT" sz="3200" b="1" i="1" dirty="0">
@@ -10226,7 +10300,7 @@
         </p:nvSpPr>
         <p:spPr>
           <a:xfrm>
-            <a:off x="2503501" y="1422747"/>
+            <a:off x="2503499" y="1328306"/>
             <a:ext cx="7182035" cy="5355312"/>
           </a:xfrm>
           <a:prstGeom prst="rect">
@@ -10242,7 +10316,7 @@
           <a:p>
             <a:r>
               <a:rPr lang="pt-PT" dirty="0"/>
-              <a:t>Todas as avaliações seguiram um guião predefinido composto por um breve apresentação do protótipo, seguido de algumas perguntas introdutórias, um conjunto de tarefas a executar de forma autónoma e finalmente por uma fase final de perguntas sobre o protótipo e as tarefas.</a:t>
+              <a:t>Todas as avaliações seguiram um guião predefinido composto por uma breve apresentação do protótipo, seguido de algumas perguntas introdutórias, um conjunto de tarefas a executar de forma autónoma e finalmente por uma fase final de perguntas sobre o protótipo e as tarefas.</a:t>
             </a:r>
           </a:p>
           <a:p>
@@ -10307,7 +10381,7 @@
           <a:p>
             <a:r>
               <a:rPr lang="pt-PT" dirty="0"/>
-              <a:t>Os utilizadores também tinham uma área livre onde podiam deixar feedback ou sugestões extra</a:t>
+              <a:t>Os utilizadores também tinham uma área livre onde podiam deixar feedback ou sugestões extra.</a:t>
             </a:r>
           </a:p>
           <a:p>
@@ -10501,7 +10575,7 @@
                   <a:schemeClr val="accent1"/>
                 </a:solidFill>
               </a:rPr>
-              <a:t>Sumario de </a:t>
+              <a:t>Sumário de </a:t>
             </a:r>
             <a:r>
               <a:rPr lang="pt-PT" sz="3200" b="1" i="1" dirty="0">
@@ -10533,8 +10607,8 @@
         </p:nvSpPr>
         <p:spPr>
           <a:xfrm>
-            <a:off x="3033944" y="1835350"/>
-            <a:ext cx="6121152" cy="2862322"/>
+            <a:off x="3033944" y="1651789"/>
+            <a:ext cx="6121152" cy="2585323"/>
           </a:xfrm>
           <a:prstGeom prst="rect">
             <a:avLst/>
@@ -10562,11 +10636,8 @@
           <a:p>
             <a:r>
               <a:rPr lang="pt-PT" dirty="0"/>
-              <a:t>Sobre estes participantes recolhemos os seguintes dados.</a:t>
-            </a:r>
-          </a:p>
-          <a:p>
-            <a:endParaRPr lang="pt-PT" dirty="0"/>
+              <a:t>Sobre estes participantes recolhemos os seguintes dados:</a:t>
+            </a:r>
           </a:p>
           <a:p>
             <a:pPr marL="285750" indent="-285750">
@@ -10595,12 +10666,9 @@
             </a:r>
             <a:r>
               <a:rPr lang="pt-PT" b="1" dirty="0"/>
-              <a:t>(70%)</a:t>
-            </a:r>
-            <a:r>
-              <a:rPr lang="pt-PT" dirty="0"/>
-              <a:t>.</a:t>
-            </a:r>
+              <a:t>(60%);</a:t>
+            </a:r>
+            <a:endParaRPr lang="pt-PT" dirty="0"/>
           </a:p>
           <a:p>
             <a:pPr marL="285750" indent="-285750">
@@ -10629,12 +10697,9 @@
             </a:r>
             <a:r>
               <a:rPr lang="pt-PT" b="1" dirty="0"/>
-              <a:t>(100%)</a:t>
-            </a:r>
-            <a:r>
-              <a:rPr lang="pt-PT" dirty="0"/>
-              <a:t>.</a:t>
-            </a:r>
+              <a:t>(100%);</a:t>
+            </a:r>
+            <a:endParaRPr lang="pt-PT" dirty="0"/>
           </a:p>
           <a:p>
             <a:pPr marL="285750" indent="-285750">
@@ -10651,12 +10716,9 @@
             </a:r>
             <a:r>
               <a:rPr lang="pt-PT" b="1" dirty="0"/>
-              <a:t>(50%) </a:t>
-            </a:r>
-            <a:r>
-              <a:rPr lang="pt-PT" dirty="0"/>
-              <a:t>.</a:t>
-            </a:r>
+              <a:t>(50%);</a:t>
+            </a:r>
+            <a:endParaRPr lang="pt-PT" dirty="0"/>
           </a:p>
           <a:p>
             <a:pPr marL="285750" indent="-285750">

--- a/phase3/ipc-phase3-presentation-T07-G3-FEUPeca.pptx
+++ b/phase3/ipc-phase3-presentation-T07-G3-FEUPeca.pptx
@@ -6627,7 +6627,7 @@
         </p:nvSpPr>
         <p:spPr>
           <a:xfrm>
-            <a:off x="3225681" y="752238"/>
+            <a:off x="3225680" y="743531"/>
             <a:ext cx="5737678" cy="584775"/>
           </a:xfrm>
           <a:prstGeom prst="rect">
@@ -7053,7 +7053,7 @@
         </p:nvSpPr>
         <p:spPr>
           <a:xfrm>
-            <a:off x="3225681" y="850859"/>
+            <a:off x="3225681" y="743531"/>
             <a:ext cx="5737678" cy="584775"/>
           </a:xfrm>
           <a:prstGeom prst="rect">
@@ -10253,8 +10253,8 @@
         </p:nvSpPr>
         <p:spPr>
           <a:xfrm>
-            <a:off x="3681683" y="743531"/>
-            <a:ext cx="4825669" cy="584775"/>
+            <a:off x="3681682" y="743531"/>
+            <a:ext cx="4805094" cy="584775"/>
           </a:xfrm>
           <a:prstGeom prst="rect">
             <a:avLst/>
@@ -10555,8 +10555,8 @@
         </p:nvSpPr>
         <p:spPr>
           <a:xfrm>
-            <a:off x="3673022" y="850859"/>
-            <a:ext cx="4842996" cy="584775"/>
+            <a:off x="3673022" y="743531"/>
+            <a:ext cx="4804228" cy="584775"/>
           </a:xfrm>
           <a:prstGeom prst="rect">
             <a:avLst/>

--- a/phase3/ipc-phase3-presentation-T07-G3-FEUPeca.pptx
+++ b/phase3/ipc-phase3-presentation-T07-G3-FEUPeca.pptx
@@ -5,22 +5,23 @@
     <p:sldMasterId id="2147483648" r:id="rId1"/>
   </p:sldMasterIdLst>
   <p:notesMasterIdLst>
-    <p:notesMasterId r:id="rId15"/>
+    <p:notesMasterId r:id="rId16"/>
   </p:notesMasterIdLst>
   <p:sldIdLst>
     <p:sldId id="256" r:id="rId2"/>
     <p:sldId id="269" r:id="rId3"/>
     <p:sldId id="276" r:id="rId4"/>
     <p:sldId id="277" r:id="rId5"/>
-    <p:sldId id="270" r:id="rId6"/>
-    <p:sldId id="271" r:id="rId7"/>
-    <p:sldId id="272" r:id="rId8"/>
-    <p:sldId id="279" r:id="rId9"/>
-    <p:sldId id="280" r:id="rId10"/>
-    <p:sldId id="281" r:id="rId11"/>
-    <p:sldId id="282" r:id="rId12"/>
-    <p:sldId id="283" r:id="rId13"/>
-    <p:sldId id="275" r:id="rId14"/>
+    <p:sldId id="284" r:id="rId6"/>
+    <p:sldId id="270" r:id="rId7"/>
+    <p:sldId id="271" r:id="rId8"/>
+    <p:sldId id="272" r:id="rId9"/>
+    <p:sldId id="279" r:id="rId10"/>
+    <p:sldId id="280" r:id="rId11"/>
+    <p:sldId id="281" r:id="rId12"/>
+    <p:sldId id="282" r:id="rId13"/>
+    <p:sldId id="283" r:id="rId14"/>
+    <p:sldId id="275" r:id="rId15"/>
   </p:sldIdLst>
   <p:sldSz cx="12192000" cy="6858000"/>
   <p:notesSz cx="6858000" cy="9144000"/>
@@ -641,7 +642,7 @@
     </p:spTree>
     <p:extLst>
       <p:ext uri="{BB962C8B-B14F-4D97-AF65-F5344CB8AC3E}">
-        <p14:creationId xmlns:p14="http://schemas.microsoft.com/office/powerpoint/2010/main" val="3629674301"/>
+        <p14:creationId xmlns:p14="http://schemas.microsoft.com/office/powerpoint/2010/main" val="3121842722"/>
       </p:ext>
     </p:extLst>
   </p:cSld>
@@ -725,7 +726,7 @@
     </p:spTree>
     <p:extLst>
       <p:ext uri="{BB962C8B-B14F-4D97-AF65-F5344CB8AC3E}">
-        <p14:creationId xmlns:p14="http://schemas.microsoft.com/office/powerpoint/2010/main" val="1963939463"/>
+        <p14:creationId xmlns:p14="http://schemas.microsoft.com/office/powerpoint/2010/main" val="3629674301"/>
       </p:ext>
     </p:extLst>
   </p:cSld>
@@ -809,7 +810,7 @@
     </p:spTree>
     <p:extLst>
       <p:ext uri="{BB962C8B-B14F-4D97-AF65-F5344CB8AC3E}">
-        <p14:creationId xmlns:p14="http://schemas.microsoft.com/office/powerpoint/2010/main" val="3095427193"/>
+        <p14:creationId xmlns:p14="http://schemas.microsoft.com/office/powerpoint/2010/main" val="1963939463"/>
       </p:ext>
     </p:extLst>
   </p:cSld>
@@ -885,6 +886,90 @@
             <a:fld id="{D8F9B114-B55C-468D-AA27-2CA819EC735C}" type="slidenum">
               <a:rPr lang="pt-PT" smtClean="0"/>
               <a:t>13</a:t>
+            </a:fld>
+            <a:endParaRPr lang="pt-PT" dirty="0"/>
+          </a:p>
+        </p:txBody>
+      </p:sp>
+    </p:spTree>
+    <p:extLst>
+      <p:ext uri="{BB962C8B-B14F-4D97-AF65-F5344CB8AC3E}">
+        <p14:creationId xmlns:p14="http://schemas.microsoft.com/office/powerpoint/2010/main" val="3095427193"/>
+      </p:ext>
+    </p:extLst>
+  </p:cSld>
+  <p:clrMapOvr>
+    <a:masterClrMapping/>
+  </p:clrMapOvr>
+</p:notes>
+</file>
+
+<file path=ppt/notesSlides/notesSlide14.xml><?xml version="1.0" encoding="utf-8"?>
+<p:notes xmlns:a="http://schemas.openxmlformats.org/drawingml/2006/main" xmlns:r="http://schemas.openxmlformats.org/officeDocument/2006/relationships" xmlns:p="http://schemas.openxmlformats.org/presentationml/2006/main">
+  <p:cSld>
+    <p:spTree>
+      <p:nvGrpSpPr>
+        <p:cNvPr id="1" name=""/>
+        <p:cNvGrpSpPr/>
+        <p:nvPr/>
+      </p:nvGrpSpPr>
+      <p:grpSpPr>
+        <a:xfrm>
+          <a:off x="0" y="0"/>
+          <a:ext cx="0" cy="0"/>
+          <a:chOff x="0" y="0"/>
+          <a:chExt cx="0" cy="0"/>
+        </a:xfrm>
+      </p:grpSpPr>
+      <p:sp>
+        <p:nvSpPr>
+          <p:cNvPr id="2" name="Marcador de Posição da Imagem do Diapositivo 1"/>
+          <p:cNvSpPr>
+            <a:spLocks noGrp="1" noRot="1" noChangeAspect="1"/>
+          </p:cNvSpPr>
+          <p:nvPr>
+            <p:ph type="sldImg"/>
+          </p:nvPr>
+        </p:nvSpPr>
+        <p:spPr/>
+      </p:sp>
+      <p:sp>
+        <p:nvSpPr>
+          <p:cNvPr id="3" name="Marcador de Posição de Notas 2"/>
+          <p:cNvSpPr>
+            <a:spLocks noGrp="1"/>
+          </p:cNvSpPr>
+          <p:nvPr>
+            <p:ph type="body" idx="1"/>
+          </p:nvPr>
+        </p:nvSpPr>
+        <p:spPr/>
+        <p:txBody>
+          <a:bodyPr/>
+          <a:lstStyle/>
+          <a:p>
+            <a:endParaRPr lang="pt-PT" dirty="0"/>
+          </a:p>
+        </p:txBody>
+      </p:sp>
+      <p:sp>
+        <p:nvSpPr>
+          <p:cNvPr id="4" name="Marcador de Posição do Número do Diapositivo 3"/>
+          <p:cNvSpPr>
+            <a:spLocks noGrp="1"/>
+          </p:cNvSpPr>
+          <p:nvPr>
+            <p:ph type="sldNum" sz="quarter" idx="5"/>
+          </p:nvPr>
+        </p:nvSpPr>
+        <p:spPr/>
+        <p:txBody>
+          <a:bodyPr/>
+          <a:lstStyle/>
+          <a:p>
+            <a:fld id="{D8F9B114-B55C-468D-AA27-2CA819EC735C}" type="slidenum">
+              <a:rPr lang="pt-PT" smtClean="0"/>
+              <a:t>14</a:t>
             </a:fld>
             <a:endParaRPr lang="pt-PT" dirty="0"/>
           </a:p>
@@ -1229,7 +1314,7 @@
     </p:spTree>
     <p:extLst>
       <p:ext uri="{BB962C8B-B14F-4D97-AF65-F5344CB8AC3E}">
-        <p14:creationId xmlns:p14="http://schemas.microsoft.com/office/powerpoint/2010/main" val="685369565"/>
+        <p14:creationId xmlns:p14="http://schemas.microsoft.com/office/powerpoint/2010/main" val="1288922250"/>
       </p:ext>
     </p:extLst>
   </p:cSld>
@@ -1313,7 +1398,7 @@
     </p:spTree>
     <p:extLst>
       <p:ext uri="{BB962C8B-B14F-4D97-AF65-F5344CB8AC3E}">
-        <p14:creationId xmlns:p14="http://schemas.microsoft.com/office/powerpoint/2010/main" val="2451251420"/>
+        <p14:creationId xmlns:p14="http://schemas.microsoft.com/office/powerpoint/2010/main" val="685369565"/>
       </p:ext>
     </p:extLst>
   </p:cSld>
@@ -1397,7 +1482,7 @@
     </p:spTree>
     <p:extLst>
       <p:ext uri="{BB962C8B-B14F-4D97-AF65-F5344CB8AC3E}">
-        <p14:creationId xmlns:p14="http://schemas.microsoft.com/office/powerpoint/2010/main" val="1401747012"/>
+        <p14:creationId xmlns:p14="http://schemas.microsoft.com/office/powerpoint/2010/main" val="2451251420"/>
       </p:ext>
     </p:extLst>
   </p:cSld>
@@ -1481,7 +1566,7 @@
     </p:spTree>
     <p:extLst>
       <p:ext uri="{BB962C8B-B14F-4D97-AF65-F5344CB8AC3E}">
-        <p14:creationId xmlns:p14="http://schemas.microsoft.com/office/powerpoint/2010/main" val="4162569756"/>
+        <p14:creationId xmlns:p14="http://schemas.microsoft.com/office/powerpoint/2010/main" val="1401747012"/>
       </p:ext>
     </p:extLst>
   </p:cSld>
@@ -1565,7 +1650,7 @@
     </p:spTree>
     <p:extLst>
       <p:ext uri="{BB962C8B-B14F-4D97-AF65-F5344CB8AC3E}">
-        <p14:creationId xmlns:p14="http://schemas.microsoft.com/office/powerpoint/2010/main" val="3121842722"/>
+        <p14:creationId xmlns:p14="http://schemas.microsoft.com/office/powerpoint/2010/main" val="4162569756"/>
       </p:ext>
     </p:extLst>
   </p:cSld>
@@ -6627,8 +6712,8 @@
         </p:nvSpPr>
         <p:spPr>
           <a:xfrm>
-            <a:off x="3225680" y="743531"/>
-            <a:ext cx="5737678" cy="584775"/>
+            <a:off x="3673022" y="743531"/>
+            <a:ext cx="4804228" cy="584775"/>
           </a:xfrm>
           <a:prstGeom prst="rect">
             <a:avLst/>
@@ -6647,17 +6732,30 @@
                   <a:schemeClr val="accent1"/>
                 </a:solidFill>
               </a:rPr>
-              <a:t>Resultados estáticos e destaques</a:t>
-            </a:r>
-          </a:p>
-        </p:txBody>
-      </p:sp>
-      <p:sp>
-        <p:nvSpPr>
-          <p:cNvPr id="3" name="CaixaDeTexto 2">
-            <a:extLst>
-              <a:ext uri="{FF2B5EF4-FFF2-40B4-BE49-F238E27FC236}">
-                <a16:creationId xmlns:a16="http://schemas.microsoft.com/office/drawing/2014/main" id="{1BDD094E-005F-9794-86F9-E6E257C70B25}"/>
+              <a:t>Sumário de </a:t>
+            </a:r>
+            <a:r>
+              <a:rPr lang="pt-PT" sz="3200" b="1" i="1" dirty="0">
+                <a:solidFill>
+                  <a:schemeClr val="accent1"/>
+                </a:solidFill>
+              </a:rPr>
+              <a:t>user evaluation</a:t>
+            </a:r>
+            <a:endParaRPr lang="pt-PT" sz="3200" b="1" dirty="0">
+              <a:solidFill>
+                <a:schemeClr val="accent1"/>
+              </a:solidFill>
+            </a:endParaRPr>
+          </a:p>
+        </p:txBody>
+      </p:sp>
+      <p:sp>
+        <p:nvSpPr>
+          <p:cNvPr id="6" name="CaixaDeTexto 5">
+            <a:extLst>
+              <a:ext uri="{FF2B5EF4-FFF2-40B4-BE49-F238E27FC236}">
+                <a16:creationId xmlns:a16="http://schemas.microsoft.com/office/drawing/2014/main" id="{FA5B0B92-204D-1548-258D-4A4B04855741}"/>
               </a:ext>
             </a:extLst>
           </p:cNvPr>
@@ -6666,8 +6764,8 @@
         </p:nvSpPr>
         <p:spPr>
           <a:xfrm>
-            <a:off x="2333610" y="1463585"/>
-            <a:ext cx="7521819" cy="4524315"/>
+            <a:off x="3033944" y="1651789"/>
+            <a:ext cx="6121152" cy="2585323"/>
           </a:xfrm>
           <a:prstGeom prst="rect">
             <a:avLst/>
@@ -6675,47 +6773,45 @@
           <a:noFill/>
         </p:spPr>
         <p:txBody>
-          <a:bodyPr wrap="square" rtlCol="0">
+          <a:bodyPr wrap="square">
             <a:spAutoFit/>
           </a:bodyPr>
           <a:lstStyle/>
           <a:p>
             <a:r>
               <a:rPr lang="pt-PT" dirty="0"/>
+              <a:t>O protótipo foi apresentado a 10 pessoas distintas, todas </a:t>
+            </a:r>
+            <a:r>
+              <a:rPr lang="pt-PT" b="1" dirty="0"/>
+              <a:t>estudantes na FEUP e utentes da biblioteca.</a:t>
+            </a:r>
+          </a:p>
+          <a:p>
+            <a:endParaRPr lang="pt-PT" dirty="0"/>
+          </a:p>
+          <a:p>
+            <a:r>
+              <a:rPr lang="pt-PT" dirty="0"/>
+              <a:t>Sobre estes participantes recolhemos os seguintes dados:</a:t>
+            </a:r>
+          </a:p>
+          <a:p>
+            <a:pPr marL="285750" indent="-285750">
+              <a:buFont typeface="Arial" panose="020B0604020202020204" pitchFamily="34" charset="0"/>
+              <a:buChar char="•"/>
+            </a:pPr>
+            <a:r>
+              <a:rPr lang="pt-PT" dirty="0"/>
               <a:t>A </a:t>
             </a:r>
             <a:r>
               <a:rPr lang="pt-PT" b="1" dirty="0"/>
-              <a:t>principal dificuldade </a:t>
+              <a:t>maioria</a:t>
             </a:r>
             <a:r>
               <a:rPr lang="pt-PT" dirty="0"/>
-              <a:t>encontrada pelos utilizadores foi </a:t>
-            </a:r>
-            <a:r>
-              <a:rPr lang="pt-PT" b="1" dirty="0"/>
-              <a:t>efetuar login pela primeira vez</a:t>
-            </a:r>
-            <a:r>
-              <a:rPr lang="pt-PT" dirty="0"/>
-              <a:t>, onde estes tinham que inserir um numero mecanográfico, algo que o protótipo indicava com o uso de um </a:t>
-            </a:r>
-            <a:r>
-              <a:rPr lang="pt-PT" i="1" dirty="0"/>
-              <a:t>placeholder </a:t>
-            </a:r>
-            <a:r>
-              <a:rPr lang="pt-PT" dirty="0"/>
-              <a:t>na caixa de texto.</a:t>
-            </a:r>
-          </a:p>
-          <a:p>
-            <a:endParaRPr lang="pt-PT" dirty="0"/>
-          </a:p>
-          <a:p>
-            <a:r>
-              <a:rPr lang="pt-PT" dirty="0"/>
-              <a:t>Pelos dados recolhidos, nenhuma das tarefas se demonstrou problemática ou pouco intuitiva, tendo todas obtido níveis </a:t>
+              <a:t> tem </a:t>
             </a:r>
             <a:r>
               <a:rPr lang="pt-PT" b="1" dirty="0">
@@ -6723,28 +6819,26 @@
                   <a:schemeClr val="accent1"/>
                 </a:solidFill>
               </a:rPr>
-              <a:t>elevados de satisfação e eficácia</a:t>
+              <a:t>20 anos </a:t>
+            </a:r>
+            <a:r>
+              <a:rPr lang="pt-PT" b="1" dirty="0"/>
+              <a:t>(60%);</a:t>
+            </a:r>
+            <a:endParaRPr lang="pt-PT" dirty="0"/>
+          </a:p>
+          <a:p>
+            <a:pPr marL="285750" indent="-285750">
+              <a:buFont typeface="Arial" panose="020B0604020202020204" pitchFamily="34" charset="0"/>
+              <a:buChar char="•"/>
+            </a:pPr>
+            <a:r>
+              <a:rPr lang="pt-PT" b="1" dirty="0"/>
+              <a:t>Todos</a:t>
             </a:r>
             <a:r>
               <a:rPr lang="pt-PT" dirty="0"/>
-              <a:t>.</a:t>
-            </a:r>
-          </a:p>
-          <a:p>
-            <a:endParaRPr lang="pt-PT" dirty="0"/>
-          </a:p>
-          <a:p>
-            <a:r>
-              <a:rPr lang="pt-PT" dirty="0"/>
-              <a:t>A tarefa de verificação de lotação  recebeu </a:t>
-            </a:r>
-            <a:r>
-              <a:rPr lang="pt-PT" b="1" dirty="0"/>
-              <a:t>70%</a:t>
-            </a:r>
-            <a:r>
-              <a:rPr lang="pt-PT" dirty="0"/>
-              <a:t> de “</a:t>
+              <a:t> frequentam a </a:t>
             </a:r>
             <a:r>
               <a:rPr lang="pt-PT" b="1" dirty="0">
@@ -6752,19 +6846,53 @@
                   <a:schemeClr val="accent1"/>
                 </a:solidFill>
               </a:rPr>
-              <a:t>eficaz</a:t>
+              <a:t>LEIC</a:t>
             </a:r>
             <a:r>
               <a:rPr lang="pt-PT" dirty="0"/>
-              <a:t>” tendo apenas </a:t>
+              <a:t> </a:t>
             </a:r>
             <a:r>
               <a:rPr lang="pt-PT" b="1" dirty="0"/>
-              <a:t>30%</a:t>
+              <a:t>(100%);</a:t>
+            </a:r>
+            <a:endParaRPr lang="pt-PT" dirty="0"/>
+          </a:p>
+          <a:p>
+            <a:pPr marL="285750" indent="-285750">
+              <a:buFont typeface="Arial" panose="020B0604020202020204" pitchFamily="34" charset="0"/>
+              <a:buChar char="•"/>
+            </a:pPr>
+            <a:r>
+              <a:rPr lang="pt-PT" b="1" dirty="0"/>
+              <a:t>Metade</a:t>
             </a:r>
             <a:r>
               <a:rPr lang="pt-PT" dirty="0"/>
-              <a:t> de “</a:t>
+              <a:t> tem conhecimento do site da biblioteca </a:t>
+            </a:r>
+            <a:r>
+              <a:rPr lang="pt-PT" b="1" dirty="0"/>
+              <a:t>(50%);</a:t>
+            </a:r>
+            <a:endParaRPr lang="pt-PT" dirty="0"/>
+          </a:p>
+          <a:p>
+            <a:pPr marL="285750" indent="-285750">
+              <a:buFont typeface="Arial" panose="020B0604020202020204" pitchFamily="34" charset="0"/>
+              <a:buChar char="•"/>
+            </a:pPr>
+            <a:r>
+              <a:rPr lang="pt-PT" dirty="0"/>
+              <a:t>A</a:t>
+            </a:r>
+            <a:r>
+              <a:rPr lang="pt-PT" b="1" dirty="0"/>
+              <a:t> grande maioria </a:t>
+            </a:r>
+            <a:r>
+              <a:rPr lang="pt-PT" dirty="0"/>
+              <a:t>nunca </a:t>
             </a:r>
             <a:r>
               <a:rPr lang="pt-PT" b="1" dirty="0">
@@ -6772,19 +6900,11 @@
                   <a:schemeClr val="accent1"/>
                 </a:solidFill>
               </a:rPr>
-              <a:t>muito eficaz</a:t>
+              <a:t>requisitou livros </a:t>
             </a:r>
             <a:r>
               <a:rPr lang="pt-PT" dirty="0"/>
-              <a:t>” e </a:t>
-            </a:r>
-            <a:r>
-              <a:rPr lang="pt-PT" b="1" dirty="0"/>
-              <a:t>60%</a:t>
-            </a:r>
-            <a:r>
-              <a:rPr lang="pt-PT" dirty="0"/>
-              <a:t> de “</a:t>
+              <a:t>na biblioteca ou </a:t>
             </a:r>
             <a:r>
               <a:rPr lang="pt-PT" b="1" dirty="0">
@@ -6792,105 +6912,16 @@
                   <a:schemeClr val="accent1"/>
                 </a:solidFill>
               </a:rPr>
-              <a:t>muito satisfeito</a:t>
+              <a:t>salas de estudo </a:t>
+            </a:r>
+            <a:r>
+              <a:rPr lang="pt-PT" b="1" dirty="0"/>
+              <a:t>(90%)</a:t>
             </a:r>
             <a:r>
               <a:rPr lang="pt-PT" dirty="0"/>
-              <a:t>”.</a:t>
-            </a:r>
-          </a:p>
-          <a:p>
-            <a:endParaRPr lang="pt-PT" dirty="0"/>
-          </a:p>
-          <a:p>
-            <a:r>
-              <a:rPr lang="pt-PT" dirty="0"/>
-              <a:t>A tarefa de reserva de sala também recebeu </a:t>
-            </a:r>
-            <a:r>
-              <a:rPr lang="pt-PT" b="1" dirty="0"/>
-              <a:t>70%</a:t>
-            </a:r>
-            <a:r>
-              <a:rPr lang="pt-PT" dirty="0"/>
-              <a:t> “</a:t>
-            </a:r>
-            <a:r>
-              <a:rPr lang="pt-PT" b="1" dirty="0">
-                <a:solidFill>
-                  <a:schemeClr val="accent1"/>
-                </a:solidFill>
-              </a:rPr>
-              <a:t>muito eficaz</a:t>
-            </a:r>
-            <a:r>
-              <a:rPr lang="pt-PT" dirty="0"/>
-              <a:t>” e “</a:t>
-            </a:r>
-            <a:r>
-              <a:rPr lang="pt-PT" b="1" dirty="0">
-                <a:solidFill>
-                  <a:schemeClr val="accent1"/>
-                </a:solidFill>
-              </a:rPr>
-              <a:t>muito satisfeito</a:t>
-            </a:r>
-            <a:r>
-              <a:rPr lang="pt-PT" dirty="0"/>
-              <a:t>.</a:t>
-            </a:r>
-          </a:p>
-          <a:p>
-            <a:endParaRPr lang="pt-PT" dirty="0"/>
-          </a:p>
-          <a:p>
-            <a:r>
-              <a:rPr lang="pt-PT" dirty="0"/>
-              <a:t>A tarefa de requisitar livro foi marcada em </a:t>
-            </a:r>
-            <a:r>
-              <a:rPr lang="pt-PT" b="1" dirty="0"/>
-              <a:t>70%</a:t>
-            </a:r>
-            <a:r>
-              <a:rPr lang="pt-PT" dirty="0"/>
-              <a:t> como “</a:t>
-            </a:r>
-            <a:r>
-              <a:rPr lang="pt-PT" b="1" dirty="0">
-                <a:solidFill>
-                  <a:schemeClr val="accent1"/>
-                </a:solidFill>
-              </a:rPr>
-              <a:t>muito eficaz</a:t>
-            </a:r>
-            <a:r>
-              <a:rPr lang="pt-PT" dirty="0"/>
-              <a:t>” e com </a:t>
-            </a:r>
-            <a:r>
-              <a:rPr lang="pt-PT" b="1" dirty="0"/>
-              <a:t>80%</a:t>
-            </a:r>
-            <a:r>
-              <a:rPr lang="pt-PT" dirty="0"/>
-              <a:t> “</a:t>
-            </a:r>
-            <a:r>
-              <a:rPr lang="pt-PT" b="1" dirty="0">
-                <a:solidFill>
-                  <a:schemeClr val="accent1"/>
-                </a:solidFill>
-              </a:rPr>
-              <a:t>muito satisfeito</a:t>
-            </a:r>
-            <a:r>
-              <a:rPr lang="pt-PT" dirty="0"/>
-              <a:t>”.</a:t>
-            </a:r>
-          </a:p>
-          <a:p>
-            <a:endParaRPr lang="pt-PT" dirty="0"/>
+              <a:t> .</a:t>
+            </a:r>
           </a:p>
         </p:txBody>
       </p:sp>
@@ -6900,7 +6931,7 @@
     </p:custDataLst>
     <p:extLst>
       <p:ext uri="{BB962C8B-B14F-4D97-AF65-F5344CB8AC3E}">
-        <p14:creationId xmlns:p14="http://schemas.microsoft.com/office/powerpoint/2010/main" val="4017906839"/>
+        <p14:creationId xmlns:p14="http://schemas.microsoft.com/office/powerpoint/2010/main" val="3610082522"/>
       </p:ext>
     </p:extLst>
   </p:cSld>
@@ -7053,7 +7084,7 @@
         </p:nvSpPr>
         <p:spPr>
           <a:xfrm>
-            <a:off x="3225681" y="743531"/>
+            <a:off x="3225680" y="743531"/>
             <a:ext cx="5737678" cy="584775"/>
           </a:xfrm>
           <a:prstGeom prst="rect">
@@ -7083,7 +7114,7 @@
           <p:cNvPr id="3" name="CaixaDeTexto 2">
             <a:extLst>
               <a:ext uri="{FF2B5EF4-FFF2-40B4-BE49-F238E27FC236}">
-                <a16:creationId xmlns:a16="http://schemas.microsoft.com/office/drawing/2014/main" id="{D0ACB54C-7DEF-6BD1-A0B6-F85E8EF59449}"/>
+                <a16:creationId xmlns:a16="http://schemas.microsoft.com/office/drawing/2014/main" id="{1BDD094E-005F-9794-86F9-E6E257C70B25}"/>
               </a:ext>
             </a:extLst>
           </p:cNvPr>
@@ -7092,8 +7123,8 @@
         </p:nvSpPr>
         <p:spPr>
           <a:xfrm>
-            <a:off x="1574359" y="1948070"/>
-            <a:ext cx="8412480" cy="923330"/>
+            <a:off x="2333610" y="1463585"/>
+            <a:ext cx="7521819" cy="4524315"/>
           </a:xfrm>
           <a:prstGeom prst="rect">
             <a:avLst/>
@@ -7108,108 +7139,225 @@
           <a:p>
             <a:r>
               <a:rPr lang="pt-PT" dirty="0"/>
-              <a:t>No que toca aos requisitos de utilização, os requisitos de tempo e cliques ficaram abaixo dos intervalos de confiança, enquanto que o objetivo de erros ficou a cima dos intervalos, para todas as tarefas.</a:t>
-            </a:r>
-          </a:p>
-        </p:txBody>
-      </p:sp>
-      <p:pic>
-        <p:nvPicPr>
-          <p:cNvPr id="10" name="Imagem 9">
-            <a:extLst>
-              <a:ext uri="{FF2B5EF4-FFF2-40B4-BE49-F238E27FC236}">
-                <a16:creationId xmlns:a16="http://schemas.microsoft.com/office/drawing/2014/main" id="{24444F40-AB58-0CF2-FC72-67438E0DDB63}"/>
-              </a:ext>
-            </a:extLst>
-          </p:cNvPr>
-          <p:cNvPicPr>
-            <a:picLocks noChangeAspect="1"/>
-          </p:cNvPicPr>
-          <p:nvPr/>
-        </p:nvPicPr>
-        <p:blipFill>
-          <a:blip r:embed="rId6"/>
-          <a:stretch>
-            <a:fillRect/>
-          </a:stretch>
-        </p:blipFill>
-        <p:spPr>
-          <a:xfrm>
-            <a:off x="0" y="3657599"/>
-            <a:ext cx="3775474" cy="2250635"/>
-          </a:xfrm>
-          <a:prstGeom prst="rect">
-            <a:avLst/>
-          </a:prstGeom>
-        </p:spPr>
-      </p:pic>
-      <p:pic>
-        <p:nvPicPr>
-          <p:cNvPr id="12" name="Imagem 11">
-            <a:extLst>
-              <a:ext uri="{FF2B5EF4-FFF2-40B4-BE49-F238E27FC236}">
-                <a16:creationId xmlns:a16="http://schemas.microsoft.com/office/drawing/2014/main" id="{FAC33BEF-9819-AA96-0C0D-FBC5367F22F9}"/>
-              </a:ext>
-            </a:extLst>
-          </p:cNvPr>
-          <p:cNvPicPr>
-            <a:picLocks noChangeAspect="1"/>
-          </p:cNvPicPr>
-          <p:nvPr/>
-        </p:nvPicPr>
-        <p:blipFill>
-          <a:blip r:embed="rId7"/>
-          <a:stretch>
-            <a:fillRect/>
-          </a:stretch>
-        </p:blipFill>
-        <p:spPr>
-          <a:xfrm>
-            <a:off x="3950287" y="3657598"/>
-            <a:ext cx="3838136" cy="2250635"/>
-          </a:xfrm>
-          <a:prstGeom prst="rect">
-            <a:avLst/>
-          </a:prstGeom>
-        </p:spPr>
-      </p:pic>
-      <p:pic>
-        <p:nvPicPr>
-          <p:cNvPr id="14" name="Imagem 13">
-            <a:extLst>
-              <a:ext uri="{FF2B5EF4-FFF2-40B4-BE49-F238E27FC236}">
-                <a16:creationId xmlns:a16="http://schemas.microsoft.com/office/drawing/2014/main" id="{BB8E832C-A9A2-4D70-F1E6-8C808027A548}"/>
-              </a:ext>
-            </a:extLst>
-          </p:cNvPr>
-          <p:cNvPicPr>
-            <a:picLocks noChangeAspect="1"/>
-          </p:cNvPicPr>
-          <p:nvPr/>
-        </p:nvPicPr>
-        <p:blipFill>
-          <a:blip r:embed="rId8"/>
-          <a:stretch>
-            <a:fillRect/>
-          </a:stretch>
-        </p:blipFill>
-        <p:spPr>
-          <a:xfrm>
-            <a:off x="7963236" y="3657600"/>
-            <a:ext cx="3976144" cy="2349540"/>
-          </a:xfrm>
-          <a:prstGeom prst="rect">
-            <a:avLst/>
-          </a:prstGeom>
-        </p:spPr>
-      </p:pic>
+              <a:t>A </a:t>
+            </a:r>
+            <a:r>
+              <a:rPr lang="pt-PT" b="1" dirty="0"/>
+              <a:t>principal dificuldade </a:t>
+            </a:r>
+            <a:r>
+              <a:rPr lang="pt-PT" dirty="0"/>
+              <a:t>encontrada pelos utilizadores foi </a:t>
+            </a:r>
+            <a:r>
+              <a:rPr lang="pt-PT" b="1" dirty="0"/>
+              <a:t>efetuar login pela primeira vez</a:t>
+            </a:r>
+            <a:r>
+              <a:rPr lang="pt-PT" dirty="0"/>
+              <a:t>, onde estes tinham que inserir um numero mecanográfico, algo que o protótipo indicava com o uso de um </a:t>
+            </a:r>
+            <a:r>
+              <a:rPr lang="pt-PT" i="1" dirty="0"/>
+              <a:t>placeholder </a:t>
+            </a:r>
+            <a:r>
+              <a:rPr lang="pt-PT" dirty="0"/>
+              <a:t>na caixa de texto.</a:t>
+            </a:r>
+          </a:p>
+          <a:p>
+            <a:endParaRPr lang="pt-PT" dirty="0"/>
+          </a:p>
+          <a:p>
+            <a:r>
+              <a:rPr lang="pt-PT" dirty="0"/>
+              <a:t>Pelos dados recolhidos, nenhuma das tarefas se demonstrou problemática ou pouco intuitiva, tendo todas obtido níveis </a:t>
+            </a:r>
+            <a:r>
+              <a:rPr lang="pt-PT" b="1" dirty="0">
+                <a:solidFill>
+                  <a:schemeClr val="accent1"/>
+                </a:solidFill>
+              </a:rPr>
+              <a:t>elevados de satisfação e eficácia</a:t>
+            </a:r>
+            <a:r>
+              <a:rPr lang="pt-PT" dirty="0"/>
+              <a:t>.</a:t>
+            </a:r>
+          </a:p>
+          <a:p>
+            <a:endParaRPr lang="pt-PT" dirty="0"/>
+          </a:p>
+          <a:p>
+            <a:r>
+              <a:rPr lang="pt-PT" dirty="0"/>
+              <a:t>A tarefa de verificação de lotação  recebeu </a:t>
+            </a:r>
+            <a:r>
+              <a:rPr lang="pt-PT" b="1" dirty="0"/>
+              <a:t>70%</a:t>
+            </a:r>
+            <a:r>
+              <a:rPr lang="pt-PT" dirty="0"/>
+              <a:t> de “</a:t>
+            </a:r>
+            <a:r>
+              <a:rPr lang="pt-PT" b="1" dirty="0">
+                <a:solidFill>
+                  <a:schemeClr val="accent1"/>
+                </a:solidFill>
+              </a:rPr>
+              <a:t>eficaz</a:t>
+            </a:r>
+            <a:r>
+              <a:rPr lang="pt-PT" dirty="0"/>
+              <a:t>” tendo apenas </a:t>
+            </a:r>
+            <a:r>
+              <a:rPr lang="pt-PT" b="1" dirty="0"/>
+              <a:t>30%</a:t>
+            </a:r>
+            <a:r>
+              <a:rPr lang="pt-PT" dirty="0"/>
+              <a:t> de “</a:t>
+            </a:r>
+            <a:r>
+              <a:rPr lang="pt-PT" b="1" dirty="0">
+                <a:solidFill>
+                  <a:schemeClr val="accent1"/>
+                </a:solidFill>
+              </a:rPr>
+              <a:t>muito eficaz</a:t>
+            </a:r>
+            <a:r>
+              <a:rPr lang="pt-PT" dirty="0"/>
+              <a:t>” e </a:t>
+            </a:r>
+            <a:r>
+              <a:rPr lang="pt-PT" b="1" dirty="0"/>
+              <a:t>60%</a:t>
+            </a:r>
+            <a:r>
+              <a:rPr lang="pt-PT" dirty="0"/>
+              <a:t> de “</a:t>
+            </a:r>
+            <a:r>
+              <a:rPr lang="pt-PT" b="1" dirty="0">
+                <a:solidFill>
+                  <a:schemeClr val="accent1"/>
+                </a:solidFill>
+              </a:rPr>
+              <a:t>muito satisfeito</a:t>
+            </a:r>
+            <a:r>
+              <a:rPr lang="pt-PT" dirty="0"/>
+              <a:t>”.</a:t>
+            </a:r>
+          </a:p>
+          <a:p>
+            <a:endParaRPr lang="pt-PT" dirty="0"/>
+          </a:p>
+          <a:p>
+            <a:r>
+              <a:rPr lang="pt-PT" dirty="0"/>
+              <a:t>A tarefa de reserva de sala também recebeu </a:t>
+            </a:r>
+            <a:r>
+              <a:rPr lang="pt-PT" b="1" dirty="0"/>
+              <a:t>70%</a:t>
+            </a:r>
+            <a:r>
+              <a:rPr lang="pt-PT" dirty="0"/>
+              <a:t> “</a:t>
+            </a:r>
+            <a:r>
+              <a:rPr lang="pt-PT" b="1" dirty="0">
+                <a:solidFill>
+                  <a:schemeClr val="accent1"/>
+                </a:solidFill>
+              </a:rPr>
+              <a:t>muito eficaz</a:t>
+            </a:r>
+            <a:r>
+              <a:rPr lang="pt-PT" dirty="0"/>
+              <a:t>” e “</a:t>
+            </a:r>
+            <a:r>
+              <a:rPr lang="pt-PT" b="1" dirty="0">
+                <a:solidFill>
+                  <a:schemeClr val="accent1"/>
+                </a:solidFill>
+              </a:rPr>
+              <a:t>muito satisfeito</a:t>
+            </a:r>
+            <a:r>
+              <a:rPr lang="pt-PT" dirty="0"/>
+              <a:t>.</a:t>
+            </a:r>
+          </a:p>
+          <a:p>
+            <a:endParaRPr lang="pt-PT" dirty="0"/>
+          </a:p>
+          <a:p>
+            <a:r>
+              <a:rPr lang="pt-PT" dirty="0"/>
+              <a:t>A tarefa de requisitar livro foi marcada em </a:t>
+            </a:r>
+            <a:r>
+              <a:rPr lang="pt-PT" b="1" dirty="0"/>
+              <a:t>70%</a:t>
+            </a:r>
+            <a:r>
+              <a:rPr lang="pt-PT" dirty="0"/>
+              <a:t> como “</a:t>
+            </a:r>
+            <a:r>
+              <a:rPr lang="pt-PT" b="1" dirty="0">
+                <a:solidFill>
+                  <a:schemeClr val="accent1"/>
+                </a:solidFill>
+              </a:rPr>
+              <a:t>muito eficaz</a:t>
+            </a:r>
+            <a:r>
+              <a:rPr lang="pt-PT" dirty="0"/>
+              <a:t>” e com </a:t>
+            </a:r>
+            <a:r>
+              <a:rPr lang="pt-PT" b="1" dirty="0"/>
+              <a:t>80%</a:t>
+            </a:r>
+            <a:r>
+              <a:rPr lang="pt-PT" dirty="0"/>
+              <a:t> “</a:t>
+            </a:r>
+            <a:r>
+              <a:rPr lang="pt-PT" b="1" dirty="0">
+                <a:solidFill>
+                  <a:schemeClr val="accent1"/>
+                </a:solidFill>
+              </a:rPr>
+              <a:t>muito satisfeito</a:t>
+            </a:r>
+            <a:r>
+              <a:rPr lang="pt-PT" dirty="0"/>
+              <a:t>”.</a:t>
+            </a:r>
+          </a:p>
+          <a:p>
+            <a:endParaRPr lang="pt-PT" dirty="0"/>
+          </a:p>
+        </p:txBody>
+      </p:sp>
     </p:spTree>
     <p:custDataLst>
       <p:tags r:id="rId1"/>
     </p:custDataLst>
     <p:extLst>
       <p:ext uri="{BB962C8B-B14F-4D97-AF65-F5344CB8AC3E}">
-        <p14:creationId xmlns:p14="http://schemas.microsoft.com/office/powerpoint/2010/main" val="3816612276"/>
+        <p14:creationId xmlns:p14="http://schemas.microsoft.com/office/powerpoint/2010/main" val="4017906839"/>
       </p:ext>
     </p:extLst>
   </p:cSld>
@@ -7392,6 +7540,315 @@
           <p:cNvPr id="3" name="CaixaDeTexto 2">
             <a:extLst>
               <a:ext uri="{FF2B5EF4-FFF2-40B4-BE49-F238E27FC236}">
+                <a16:creationId xmlns:a16="http://schemas.microsoft.com/office/drawing/2014/main" id="{D0ACB54C-7DEF-6BD1-A0B6-F85E8EF59449}"/>
+              </a:ext>
+            </a:extLst>
+          </p:cNvPr>
+          <p:cNvSpPr txBox="1"/>
+          <p:nvPr/>
+        </p:nvSpPr>
+        <p:spPr>
+          <a:xfrm>
+            <a:off x="1574359" y="1948070"/>
+            <a:ext cx="8412480" cy="923330"/>
+          </a:xfrm>
+          <a:prstGeom prst="rect">
+            <a:avLst/>
+          </a:prstGeom>
+          <a:noFill/>
+        </p:spPr>
+        <p:txBody>
+          <a:bodyPr wrap="square" rtlCol="0">
+            <a:spAutoFit/>
+          </a:bodyPr>
+          <a:lstStyle/>
+          <a:p>
+            <a:r>
+              <a:rPr lang="pt-PT" dirty="0"/>
+              <a:t>No que toca aos requisitos de utilização, os requisitos de tempo e cliques ficaram abaixo dos intervalos de confiança, enquanto que o objetivo de erros ficou a cima dos intervalos, para todas as tarefas.</a:t>
+            </a:r>
+          </a:p>
+        </p:txBody>
+      </p:sp>
+      <p:pic>
+        <p:nvPicPr>
+          <p:cNvPr id="10" name="Imagem 9">
+            <a:extLst>
+              <a:ext uri="{FF2B5EF4-FFF2-40B4-BE49-F238E27FC236}">
+                <a16:creationId xmlns:a16="http://schemas.microsoft.com/office/drawing/2014/main" id="{24444F40-AB58-0CF2-FC72-67438E0DDB63}"/>
+              </a:ext>
+            </a:extLst>
+          </p:cNvPr>
+          <p:cNvPicPr>
+            <a:picLocks noChangeAspect="1"/>
+          </p:cNvPicPr>
+          <p:nvPr/>
+        </p:nvPicPr>
+        <p:blipFill>
+          <a:blip r:embed="rId6"/>
+          <a:stretch>
+            <a:fillRect/>
+          </a:stretch>
+        </p:blipFill>
+        <p:spPr>
+          <a:xfrm>
+            <a:off x="0" y="3657599"/>
+            <a:ext cx="3775474" cy="2250635"/>
+          </a:xfrm>
+          <a:prstGeom prst="rect">
+            <a:avLst/>
+          </a:prstGeom>
+        </p:spPr>
+      </p:pic>
+      <p:pic>
+        <p:nvPicPr>
+          <p:cNvPr id="12" name="Imagem 11">
+            <a:extLst>
+              <a:ext uri="{FF2B5EF4-FFF2-40B4-BE49-F238E27FC236}">
+                <a16:creationId xmlns:a16="http://schemas.microsoft.com/office/drawing/2014/main" id="{FAC33BEF-9819-AA96-0C0D-FBC5367F22F9}"/>
+              </a:ext>
+            </a:extLst>
+          </p:cNvPr>
+          <p:cNvPicPr>
+            <a:picLocks noChangeAspect="1"/>
+          </p:cNvPicPr>
+          <p:nvPr/>
+        </p:nvPicPr>
+        <p:blipFill>
+          <a:blip r:embed="rId7"/>
+          <a:stretch>
+            <a:fillRect/>
+          </a:stretch>
+        </p:blipFill>
+        <p:spPr>
+          <a:xfrm>
+            <a:off x="3950287" y="3657598"/>
+            <a:ext cx="3838136" cy="2250635"/>
+          </a:xfrm>
+          <a:prstGeom prst="rect">
+            <a:avLst/>
+          </a:prstGeom>
+        </p:spPr>
+      </p:pic>
+      <p:pic>
+        <p:nvPicPr>
+          <p:cNvPr id="14" name="Imagem 13">
+            <a:extLst>
+              <a:ext uri="{FF2B5EF4-FFF2-40B4-BE49-F238E27FC236}">
+                <a16:creationId xmlns:a16="http://schemas.microsoft.com/office/drawing/2014/main" id="{BB8E832C-A9A2-4D70-F1E6-8C808027A548}"/>
+              </a:ext>
+            </a:extLst>
+          </p:cNvPr>
+          <p:cNvPicPr>
+            <a:picLocks noChangeAspect="1"/>
+          </p:cNvPicPr>
+          <p:nvPr/>
+        </p:nvPicPr>
+        <p:blipFill>
+          <a:blip r:embed="rId8"/>
+          <a:stretch>
+            <a:fillRect/>
+          </a:stretch>
+        </p:blipFill>
+        <p:spPr>
+          <a:xfrm>
+            <a:off x="7963236" y="3657600"/>
+            <a:ext cx="3976144" cy="2349540"/>
+          </a:xfrm>
+          <a:prstGeom prst="rect">
+            <a:avLst/>
+          </a:prstGeom>
+        </p:spPr>
+      </p:pic>
+    </p:spTree>
+    <p:custDataLst>
+      <p:tags r:id="rId1"/>
+    </p:custDataLst>
+    <p:extLst>
+      <p:ext uri="{BB962C8B-B14F-4D97-AF65-F5344CB8AC3E}">
+        <p14:creationId xmlns:p14="http://schemas.microsoft.com/office/powerpoint/2010/main" val="3816612276"/>
+      </p:ext>
+    </p:extLst>
+  </p:cSld>
+  <p:clrMapOvr>
+    <a:masterClrMapping/>
+  </p:clrMapOvr>
+</p:sld>
+</file>
+
+<file path=ppt/slides/slide13.xml><?xml version="1.0" encoding="utf-8"?>
+<p:sld xmlns:a="http://schemas.openxmlformats.org/drawingml/2006/main" xmlns:r="http://schemas.openxmlformats.org/officeDocument/2006/relationships" xmlns:p="http://schemas.openxmlformats.org/presentationml/2006/main">
+  <p:cSld>
+    <p:spTree>
+      <p:nvGrpSpPr>
+        <p:cNvPr id="1" name=""/>
+        <p:cNvGrpSpPr/>
+        <p:nvPr/>
+      </p:nvGrpSpPr>
+      <p:grpSpPr>
+        <a:xfrm>
+          <a:off x="0" y="0"/>
+          <a:ext cx="0" cy="0"/>
+          <a:chOff x="0" y="0"/>
+          <a:chExt cx="0" cy="0"/>
+        </a:xfrm>
+      </p:grpSpPr>
+      <p:pic>
+        <p:nvPicPr>
+          <p:cNvPr id="5" name="Imagem 4">
+            <a:extLst>
+              <a:ext uri="{FF2B5EF4-FFF2-40B4-BE49-F238E27FC236}">
+                <a16:creationId xmlns:a16="http://schemas.microsoft.com/office/drawing/2014/main" id="{752AE463-7F03-425D-82D7-EE515F142DD6}"/>
+              </a:ext>
+            </a:extLst>
+          </p:cNvPr>
+          <p:cNvPicPr>
+            <a:picLocks noChangeAspect="1"/>
+          </p:cNvPicPr>
+          <p:nvPr/>
+        </p:nvPicPr>
+        <p:blipFill rotWithShape="1">
+          <a:blip r:embed="rId4">
+            <a:extLst>
+              <a:ext uri="{28A0092B-C50C-407E-A947-70E740481C1C}">
+                <a14:useLocalDpi xmlns:a14="http://schemas.microsoft.com/office/drawing/2010/main" val="0"/>
+              </a:ext>
+            </a:extLst>
+          </a:blip>
+          <a:srcRect t="-1" b="758"/>
+          <a:stretch/>
+        </p:blipFill>
+        <p:spPr>
+          <a:xfrm rot="5400000">
+            <a:off x="5724237" y="390236"/>
+            <a:ext cx="743528" cy="12192002"/>
+          </a:xfrm>
+          <a:prstGeom prst="rect">
+            <a:avLst/>
+          </a:prstGeom>
+        </p:spPr>
+      </p:pic>
+      <p:pic>
+        <p:nvPicPr>
+          <p:cNvPr id="7" name="Imagem 6">
+            <a:extLst>
+              <a:ext uri="{FF2B5EF4-FFF2-40B4-BE49-F238E27FC236}">
+                <a16:creationId xmlns:a16="http://schemas.microsoft.com/office/drawing/2014/main" id="{31209196-6DC4-46B8-8971-CA629BCECAC9}"/>
+              </a:ext>
+            </a:extLst>
+          </p:cNvPr>
+          <p:cNvPicPr>
+            <a:picLocks noChangeAspect="1"/>
+          </p:cNvPicPr>
+          <p:nvPr/>
+        </p:nvPicPr>
+        <p:blipFill rotWithShape="1">
+          <a:blip r:embed="rId5">
+            <a:extLst>
+              <a:ext uri="{28A0092B-C50C-407E-A947-70E740481C1C}">
+                <a14:useLocalDpi xmlns:a14="http://schemas.microsoft.com/office/drawing/2010/main" val="0"/>
+              </a:ext>
+            </a:extLst>
+          </a:blip>
+          <a:srcRect t="606"/>
+          <a:stretch/>
+        </p:blipFill>
+        <p:spPr>
+          <a:xfrm rot="5400000">
+            <a:off x="5724236" y="-5724235"/>
+            <a:ext cx="743530" cy="12192001"/>
+          </a:xfrm>
+          <a:prstGeom prst="rect">
+            <a:avLst/>
+          </a:prstGeom>
+        </p:spPr>
+      </p:pic>
+      <p:sp>
+        <p:nvSpPr>
+          <p:cNvPr id="4" name="TextBox 3">
+            <a:extLst>
+              <a:ext uri="{FF2B5EF4-FFF2-40B4-BE49-F238E27FC236}">
+                <a16:creationId xmlns:a16="http://schemas.microsoft.com/office/drawing/2014/main" id="{36495084-7F7B-4CDE-1480-878E1528F020}"/>
+              </a:ext>
+            </a:extLst>
+          </p:cNvPr>
+          <p:cNvSpPr txBox="1"/>
+          <p:nvPr/>
+        </p:nvSpPr>
+        <p:spPr>
+          <a:xfrm>
+            <a:off x="0" y="6514189"/>
+            <a:ext cx="6094520" cy="369332"/>
+          </a:xfrm>
+          <a:prstGeom prst="rect">
+            <a:avLst/>
+          </a:prstGeom>
+          <a:noFill/>
+        </p:spPr>
+        <p:txBody>
+          <a:bodyPr wrap="square">
+            <a:spAutoFit/>
+          </a:bodyPr>
+          <a:lstStyle/>
+          <a:p>
+            <a:r>
+              <a:rPr lang="si-LK" b="0" i="0" dirty="0">
+                <a:solidFill>
+                  <a:srgbClr val="DCDDDE"/>
+                </a:solidFill>
+                <a:effectLst/>
+                <a:latin typeface="Whitney"/>
+              </a:rPr>
+              <a:t>ඞ</a:t>
+            </a:r>
+            <a:endParaRPr lang="pt-PT" dirty="0"/>
+          </a:p>
+        </p:txBody>
+      </p:sp>
+      <p:sp>
+        <p:nvSpPr>
+          <p:cNvPr id="2" name="CaixaDeTexto 1">
+            <a:extLst>
+              <a:ext uri="{FF2B5EF4-FFF2-40B4-BE49-F238E27FC236}">
+                <a16:creationId xmlns:a16="http://schemas.microsoft.com/office/drawing/2014/main" id="{74D3E29D-F723-D9B2-83E6-2313987CDEAA}"/>
+              </a:ext>
+            </a:extLst>
+          </p:cNvPr>
+          <p:cNvSpPr txBox="1"/>
+          <p:nvPr/>
+        </p:nvSpPr>
+        <p:spPr>
+          <a:xfrm>
+            <a:off x="3225681" y="743531"/>
+            <a:ext cx="5737678" cy="584775"/>
+          </a:xfrm>
+          <a:prstGeom prst="rect">
+            <a:avLst/>
+          </a:prstGeom>
+          <a:noFill/>
+        </p:spPr>
+        <p:txBody>
+          <a:bodyPr wrap="square" rtlCol="0">
+            <a:spAutoFit/>
+          </a:bodyPr>
+          <a:lstStyle/>
+          <a:p>
+            <a:r>
+              <a:rPr lang="pt-PT" sz="3200" b="1" dirty="0">
+                <a:solidFill>
+                  <a:schemeClr val="accent1"/>
+                </a:solidFill>
+              </a:rPr>
+              <a:t>Resultados estáticos e destaques</a:t>
+            </a:r>
+          </a:p>
+        </p:txBody>
+      </p:sp>
+      <p:sp>
+        <p:nvSpPr>
+          <p:cNvPr id="3" name="CaixaDeTexto 2">
+            <a:extLst>
+              <a:ext uri="{FF2B5EF4-FFF2-40B4-BE49-F238E27FC236}">
                 <a16:creationId xmlns:a16="http://schemas.microsoft.com/office/drawing/2014/main" id="{4DB955F5-F9D4-E070-2009-93A4DC5A78C8}"/>
               </a:ext>
             </a:extLst>
@@ -7598,7 +8055,7 @@
 </p:sld>
 </file>
 
-<file path=ppt/slides/slide13.xml><?xml version="1.0" encoding="utf-8"?>
+<file path=ppt/slides/slide14.xml><?xml version="1.0" encoding="utf-8"?>
 <p:sld xmlns:a="http://schemas.openxmlformats.org/drawingml/2006/main" xmlns:r="http://schemas.openxmlformats.org/officeDocument/2006/relationships" xmlns:p="http://schemas.openxmlformats.org/presentationml/2006/main">
   <p:cSld>
     <p:spTree>
@@ -8847,6 +9304,470 @@
       </p:grpSpPr>
       <p:pic>
         <p:nvPicPr>
+          <p:cNvPr id="5" name="Imagem 4">
+            <a:extLst>
+              <a:ext uri="{FF2B5EF4-FFF2-40B4-BE49-F238E27FC236}">
+                <a16:creationId xmlns:a16="http://schemas.microsoft.com/office/drawing/2014/main" id="{752AE463-7F03-425D-82D7-EE515F142DD6}"/>
+              </a:ext>
+            </a:extLst>
+          </p:cNvPr>
+          <p:cNvPicPr>
+            <a:picLocks noChangeAspect="1"/>
+          </p:cNvPicPr>
+          <p:nvPr/>
+        </p:nvPicPr>
+        <p:blipFill rotWithShape="1">
+          <a:blip r:embed="rId4">
+            <a:extLst>
+              <a:ext uri="{28A0092B-C50C-407E-A947-70E740481C1C}">
+                <a14:useLocalDpi xmlns:a14="http://schemas.microsoft.com/office/drawing/2010/main" val="0"/>
+              </a:ext>
+            </a:extLst>
+          </a:blip>
+          <a:srcRect t="-1" b="758"/>
+          <a:stretch/>
+        </p:blipFill>
+        <p:spPr>
+          <a:xfrm rot="5400000">
+            <a:off x="5724237" y="390236"/>
+            <a:ext cx="743528" cy="12192002"/>
+          </a:xfrm>
+          <a:prstGeom prst="rect">
+            <a:avLst/>
+          </a:prstGeom>
+        </p:spPr>
+      </p:pic>
+      <p:pic>
+        <p:nvPicPr>
+          <p:cNvPr id="7" name="Imagem 6">
+            <a:extLst>
+              <a:ext uri="{FF2B5EF4-FFF2-40B4-BE49-F238E27FC236}">
+                <a16:creationId xmlns:a16="http://schemas.microsoft.com/office/drawing/2014/main" id="{31209196-6DC4-46B8-8971-CA629BCECAC9}"/>
+              </a:ext>
+            </a:extLst>
+          </p:cNvPr>
+          <p:cNvPicPr>
+            <a:picLocks noChangeAspect="1"/>
+          </p:cNvPicPr>
+          <p:nvPr/>
+        </p:nvPicPr>
+        <p:blipFill rotWithShape="1">
+          <a:blip r:embed="rId5">
+            <a:extLst>
+              <a:ext uri="{28A0092B-C50C-407E-A947-70E740481C1C}">
+                <a14:useLocalDpi xmlns:a14="http://schemas.microsoft.com/office/drawing/2010/main" val="0"/>
+              </a:ext>
+            </a:extLst>
+          </a:blip>
+          <a:srcRect t="606"/>
+          <a:stretch/>
+        </p:blipFill>
+        <p:spPr>
+          <a:xfrm rot="5400000">
+            <a:off x="5724236" y="-5724235"/>
+            <a:ext cx="743530" cy="12192001"/>
+          </a:xfrm>
+          <a:prstGeom prst="rect">
+            <a:avLst/>
+          </a:prstGeom>
+        </p:spPr>
+      </p:pic>
+      <p:sp>
+        <p:nvSpPr>
+          <p:cNvPr id="4" name="TextBox 3">
+            <a:extLst>
+              <a:ext uri="{FF2B5EF4-FFF2-40B4-BE49-F238E27FC236}">
+                <a16:creationId xmlns:a16="http://schemas.microsoft.com/office/drawing/2014/main" id="{36495084-7F7B-4CDE-1480-878E1528F020}"/>
+              </a:ext>
+            </a:extLst>
+          </p:cNvPr>
+          <p:cNvSpPr txBox="1"/>
+          <p:nvPr/>
+        </p:nvSpPr>
+        <p:spPr>
+          <a:xfrm>
+            <a:off x="0" y="6514189"/>
+            <a:ext cx="6094520" cy="369332"/>
+          </a:xfrm>
+          <a:prstGeom prst="rect">
+            <a:avLst/>
+          </a:prstGeom>
+          <a:noFill/>
+        </p:spPr>
+        <p:txBody>
+          <a:bodyPr wrap="square">
+            <a:spAutoFit/>
+          </a:bodyPr>
+          <a:lstStyle/>
+          <a:p>
+            <a:r>
+              <a:rPr lang="si-LK" b="0" i="0" dirty="0">
+                <a:solidFill>
+                  <a:srgbClr val="DCDDDE"/>
+                </a:solidFill>
+                <a:effectLst/>
+                <a:latin typeface="Whitney"/>
+              </a:rPr>
+              <a:t>ඞ</a:t>
+            </a:r>
+            <a:endParaRPr lang="pt-PT" dirty="0"/>
+          </a:p>
+        </p:txBody>
+      </p:sp>
+      <p:sp>
+        <p:nvSpPr>
+          <p:cNvPr id="2" name="CaixaDeTexto 1">
+            <a:extLst>
+              <a:ext uri="{FF2B5EF4-FFF2-40B4-BE49-F238E27FC236}">
+                <a16:creationId xmlns:a16="http://schemas.microsoft.com/office/drawing/2014/main" id="{5C036B2A-48A7-7DFE-6151-0DE16E433EC2}"/>
+              </a:ext>
+            </a:extLst>
+          </p:cNvPr>
+          <p:cNvSpPr txBox="1"/>
+          <p:nvPr/>
+        </p:nvSpPr>
+        <p:spPr>
+          <a:xfrm>
+            <a:off x="789693" y="2915683"/>
+            <a:ext cx="1890944" cy="830997"/>
+          </a:xfrm>
+          <a:prstGeom prst="rect">
+            <a:avLst/>
+          </a:prstGeom>
+          <a:noFill/>
+        </p:spPr>
+        <p:txBody>
+          <a:bodyPr wrap="square" rtlCol="0">
+            <a:spAutoFit/>
+          </a:bodyPr>
+          <a:lstStyle/>
+          <a:p>
+            <a:r>
+              <a:rPr lang="pt-PT" sz="3200" b="1" dirty="0">
+                <a:solidFill>
+                  <a:schemeClr val="accent1"/>
+                </a:solidFill>
+              </a:rPr>
+              <a:t>Wireflow</a:t>
+            </a:r>
+          </a:p>
+          <a:p>
+            <a:pPr algn="ctr"/>
+            <a:r>
+              <a:rPr lang="pt-PT" sz="1400" b="1" dirty="0"/>
+              <a:t>Nova funcionalidade</a:t>
+            </a:r>
+          </a:p>
+        </p:txBody>
+      </p:sp>
+      <p:pic>
+        <p:nvPicPr>
+          <p:cNvPr id="9" name="Imagem 8">
+            <a:extLst>
+              <a:ext uri="{FF2B5EF4-FFF2-40B4-BE49-F238E27FC236}">
+                <a16:creationId xmlns:a16="http://schemas.microsoft.com/office/drawing/2014/main" id="{A3C7F992-E3D9-B741-AC06-90F4D9C3008B}"/>
+              </a:ext>
+            </a:extLst>
+          </p:cNvPr>
+          <p:cNvPicPr>
+            <a:picLocks noChangeAspect="1"/>
+          </p:cNvPicPr>
+          <p:nvPr/>
+        </p:nvPicPr>
+        <p:blipFill>
+          <a:blip r:embed="rId6"/>
+          <a:stretch>
+            <a:fillRect/>
+          </a:stretch>
+        </p:blipFill>
+        <p:spPr>
+          <a:xfrm>
+            <a:off x="3492129" y="816999"/>
+            <a:ext cx="4143567" cy="5497332"/>
+          </a:xfrm>
+          <a:prstGeom prst="rect">
+            <a:avLst/>
+          </a:prstGeom>
+        </p:spPr>
+      </p:pic>
+      <p:cxnSp>
+        <p:nvCxnSpPr>
+          <p:cNvPr id="12" name="Conexão reta unidirecional 11">
+            <a:extLst>
+              <a:ext uri="{FF2B5EF4-FFF2-40B4-BE49-F238E27FC236}">
+                <a16:creationId xmlns:a16="http://schemas.microsoft.com/office/drawing/2014/main" id="{0CD46190-C8B0-50AB-9FB5-FDBFC10F907D}"/>
+              </a:ext>
+            </a:extLst>
+          </p:cNvPr>
+          <p:cNvCxnSpPr/>
+          <p:nvPr/>
+        </p:nvCxnSpPr>
+        <p:spPr>
+          <a:xfrm>
+            <a:off x="4385883" y="5308375"/>
+            <a:ext cx="2087745" cy="0"/>
+          </a:xfrm>
+          <a:prstGeom prst="straightConnector1">
+            <a:avLst/>
+          </a:prstGeom>
+          <a:ln>
+            <a:tailEnd type="triangle"/>
+          </a:ln>
+        </p:spPr>
+        <p:style>
+          <a:lnRef idx="1">
+            <a:schemeClr val="accent1"/>
+          </a:lnRef>
+          <a:fillRef idx="0">
+            <a:schemeClr val="accent1"/>
+          </a:fillRef>
+          <a:effectRef idx="0">
+            <a:schemeClr val="accent1"/>
+          </a:effectRef>
+          <a:fontRef idx="minor">
+            <a:schemeClr val="tx1"/>
+          </a:fontRef>
+        </p:style>
+      </p:cxnSp>
+      <p:cxnSp>
+        <p:nvCxnSpPr>
+          <p:cNvPr id="18" name="Conexão: Ângulo Reto 17">
+            <a:extLst>
+              <a:ext uri="{FF2B5EF4-FFF2-40B4-BE49-F238E27FC236}">
+                <a16:creationId xmlns:a16="http://schemas.microsoft.com/office/drawing/2014/main" id="{99CC008B-ADBD-F029-A660-BEA7CB66D905}"/>
+              </a:ext>
+            </a:extLst>
+          </p:cNvPr>
+          <p:cNvCxnSpPr>
+            <a:cxnSpLocks/>
+          </p:cNvCxnSpPr>
+          <p:nvPr/>
+        </p:nvCxnSpPr>
+        <p:spPr>
+          <a:xfrm rot="5400000" flipH="1" flipV="1">
+            <a:off x="6546457" y="3074973"/>
+            <a:ext cx="2985962" cy="1836895"/>
+          </a:xfrm>
+          <a:prstGeom prst="bentConnector3">
+            <a:avLst>
+              <a:gd name="adj1" fmla="val 237"/>
+            </a:avLst>
+          </a:prstGeom>
+        </p:spPr>
+        <p:style>
+          <a:lnRef idx="1">
+            <a:schemeClr val="accent1"/>
+          </a:lnRef>
+          <a:fillRef idx="0">
+            <a:schemeClr val="accent1"/>
+          </a:fillRef>
+          <a:effectRef idx="0">
+            <a:schemeClr val="accent1"/>
+          </a:effectRef>
+          <a:fontRef idx="minor">
+            <a:schemeClr val="tx1"/>
+          </a:fontRef>
+        </p:style>
+      </p:cxnSp>
+      <p:cxnSp>
+        <p:nvCxnSpPr>
+          <p:cNvPr id="21" name="Conexão reta unidirecional 20">
+            <a:extLst>
+              <a:ext uri="{FF2B5EF4-FFF2-40B4-BE49-F238E27FC236}">
+                <a16:creationId xmlns:a16="http://schemas.microsoft.com/office/drawing/2014/main" id="{7D44074B-A1E4-2E3D-75C0-5A1D21CF3EAC}"/>
+              </a:ext>
+            </a:extLst>
+          </p:cNvPr>
+          <p:cNvCxnSpPr>
+            <a:cxnSpLocks/>
+          </p:cNvCxnSpPr>
+          <p:nvPr/>
+        </p:nvCxnSpPr>
+        <p:spPr>
+          <a:xfrm flipH="1">
+            <a:off x="7367382" y="2500439"/>
+            <a:ext cx="1590502" cy="0"/>
+          </a:xfrm>
+          <a:prstGeom prst="straightConnector1">
+            <a:avLst/>
+          </a:prstGeom>
+          <a:ln>
+            <a:tailEnd type="triangle"/>
+          </a:ln>
+        </p:spPr>
+        <p:style>
+          <a:lnRef idx="1">
+            <a:schemeClr val="accent1"/>
+          </a:lnRef>
+          <a:fillRef idx="0">
+            <a:schemeClr val="accent1"/>
+          </a:fillRef>
+          <a:effectRef idx="0">
+            <a:schemeClr val="accent1"/>
+          </a:effectRef>
+          <a:fontRef idx="minor">
+            <a:schemeClr val="tx1"/>
+          </a:fontRef>
+        </p:style>
+      </p:cxnSp>
+      <p:cxnSp>
+        <p:nvCxnSpPr>
+          <p:cNvPr id="25" name="Conexão reta unidirecional 24">
+            <a:extLst>
+              <a:ext uri="{FF2B5EF4-FFF2-40B4-BE49-F238E27FC236}">
+                <a16:creationId xmlns:a16="http://schemas.microsoft.com/office/drawing/2014/main" id="{448C479B-4D6D-4297-5E75-AD62DB101C30}"/>
+              </a:ext>
+            </a:extLst>
+          </p:cNvPr>
+          <p:cNvCxnSpPr>
+            <a:cxnSpLocks/>
+          </p:cNvCxnSpPr>
+          <p:nvPr/>
+        </p:nvCxnSpPr>
+        <p:spPr>
+          <a:xfrm flipH="1">
+            <a:off x="6094520" y="2011489"/>
+            <a:ext cx="788880" cy="0"/>
+          </a:xfrm>
+          <a:prstGeom prst="straightConnector1">
+            <a:avLst/>
+          </a:prstGeom>
+          <a:ln>
+            <a:tailEnd type="triangle"/>
+          </a:ln>
+        </p:spPr>
+        <p:style>
+          <a:lnRef idx="1">
+            <a:schemeClr val="accent1"/>
+          </a:lnRef>
+          <a:fillRef idx="0">
+            <a:schemeClr val="accent1"/>
+          </a:fillRef>
+          <a:effectRef idx="0">
+            <a:schemeClr val="accent1"/>
+          </a:effectRef>
+          <a:fontRef idx="minor">
+            <a:schemeClr val="tx1"/>
+          </a:fontRef>
+        </p:style>
+      </p:cxnSp>
+      <p:cxnSp>
+        <p:nvCxnSpPr>
+          <p:cNvPr id="29" name="Conexão reta unidirecional 28">
+            <a:extLst>
+              <a:ext uri="{FF2B5EF4-FFF2-40B4-BE49-F238E27FC236}">
+                <a16:creationId xmlns:a16="http://schemas.microsoft.com/office/drawing/2014/main" id="{B1B804FC-0E48-9B4B-E1C3-F42DE327A18F}"/>
+              </a:ext>
+            </a:extLst>
+          </p:cNvPr>
+          <p:cNvCxnSpPr>
+            <a:cxnSpLocks/>
+          </p:cNvCxnSpPr>
+          <p:nvPr/>
+        </p:nvCxnSpPr>
+        <p:spPr>
+          <a:xfrm flipH="1">
+            <a:off x="6094520" y="2436939"/>
+            <a:ext cx="788880" cy="0"/>
+          </a:xfrm>
+          <a:prstGeom prst="straightConnector1">
+            <a:avLst/>
+          </a:prstGeom>
+          <a:ln>
+            <a:tailEnd type="triangle"/>
+          </a:ln>
+        </p:spPr>
+        <p:style>
+          <a:lnRef idx="1">
+            <a:schemeClr val="accent1"/>
+          </a:lnRef>
+          <a:fillRef idx="0">
+            <a:schemeClr val="accent1"/>
+          </a:fillRef>
+          <a:effectRef idx="0">
+            <a:schemeClr val="accent1"/>
+          </a:effectRef>
+          <a:fontRef idx="minor">
+            <a:schemeClr val="tx1"/>
+          </a:fontRef>
+        </p:style>
+      </p:cxnSp>
+      <p:cxnSp>
+        <p:nvCxnSpPr>
+          <p:cNvPr id="30" name="Conexão reta unidirecional 29">
+            <a:extLst>
+              <a:ext uri="{FF2B5EF4-FFF2-40B4-BE49-F238E27FC236}">
+                <a16:creationId xmlns:a16="http://schemas.microsoft.com/office/drawing/2014/main" id="{5E304D24-D0E2-E48D-8B97-711BA5F6031C}"/>
+              </a:ext>
+            </a:extLst>
+          </p:cNvPr>
+          <p:cNvCxnSpPr>
+            <a:cxnSpLocks/>
+          </p:cNvCxnSpPr>
+          <p:nvPr/>
+        </p:nvCxnSpPr>
+        <p:spPr>
+          <a:xfrm flipH="1">
+            <a:off x="4635500" y="2335339"/>
+            <a:ext cx="628650" cy="0"/>
+          </a:xfrm>
+          <a:prstGeom prst="straightConnector1">
+            <a:avLst/>
+          </a:prstGeom>
+          <a:ln>
+            <a:tailEnd type="triangle"/>
+          </a:ln>
+        </p:spPr>
+        <p:style>
+          <a:lnRef idx="1">
+            <a:schemeClr val="accent1"/>
+          </a:lnRef>
+          <a:fillRef idx="0">
+            <a:schemeClr val="accent1"/>
+          </a:fillRef>
+          <a:effectRef idx="0">
+            <a:schemeClr val="accent1"/>
+          </a:effectRef>
+          <a:fontRef idx="minor">
+            <a:schemeClr val="tx1"/>
+          </a:fontRef>
+        </p:style>
+      </p:cxnSp>
+    </p:spTree>
+    <p:custDataLst>
+      <p:tags r:id="rId1"/>
+    </p:custDataLst>
+    <p:extLst>
+      <p:ext uri="{BB962C8B-B14F-4D97-AF65-F5344CB8AC3E}">
+        <p14:creationId xmlns:p14="http://schemas.microsoft.com/office/powerpoint/2010/main" val="4101647034"/>
+      </p:ext>
+    </p:extLst>
+  </p:cSld>
+  <p:clrMapOvr>
+    <a:masterClrMapping/>
+  </p:clrMapOvr>
+</p:sld>
+</file>
+
+<file path=ppt/slides/slide6.xml><?xml version="1.0" encoding="utf-8"?>
+<p:sld xmlns:a="http://schemas.openxmlformats.org/drawingml/2006/main" xmlns:r="http://schemas.openxmlformats.org/officeDocument/2006/relationships" xmlns:p="http://schemas.openxmlformats.org/presentationml/2006/main">
+  <p:cSld>
+    <p:spTree>
+      <p:nvGrpSpPr>
+        <p:cNvPr id="1" name=""/>
+        <p:cNvGrpSpPr/>
+        <p:nvPr/>
+      </p:nvGrpSpPr>
+      <p:grpSpPr>
+        <a:xfrm>
+          <a:off x="0" y="0"/>
+          <a:ext cx="0" cy="0"/>
+          <a:chOff x="0" y="0"/>
+          <a:chExt cx="0" cy="0"/>
+        </a:xfrm>
+      </p:grpSpPr>
+      <p:pic>
+        <p:nvPicPr>
           <p:cNvPr id="1030" name="Picture 6">
             <a:extLst>
               <a:ext uri="{FF2B5EF4-FFF2-40B4-BE49-F238E27FC236}">
@@ -9189,7 +10110,7 @@
 </p:sld>
 </file>
 
-<file path=ppt/slides/slide6.xml><?xml version="1.0" encoding="utf-8"?>
+<file path=ppt/slides/slide7.xml><?xml version="1.0" encoding="utf-8"?>
 <p:sld xmlns:a="http://schemas.openxmlformats.org/drawingml/2006/main" xmlns:r="http://schemas.openxmlformats.org/officeDocument/2006/relationships" xmlns:p="http://schemas.openxmlformats.org/presentationml/2006/main">
   <p:cSld>
     <p:spTree>
@@ -9628,7 +10549,7 @@
 </p:sld>
 </file>
 
-<file path=ppt/slides/slide7.xml><?xml version="1.0" encoding="utf-8"?>
+<file path=ppt/slides/slide8.xml><?xml version="1.0" encoding="utf-8"?>
 <p:sld xmlns:a="http://schemas.openxmlformats.org/drawingml/2006/main" xmlns:r="http://schemas.openxmlformats.org/officeDocument/2006/relationships" xmlns:p="http://schemas.openxmlformats.org/presentationml/2006/main">
   <p:cSld>
     <p:spTree>
@@ -10110,308 +11031,6 @@
 </p:sld>
 </file>
 
-<file path=ppt/slides/slide8.xml><?xml version="1.0" encoding="utf-8"?>
-<p:sld xmlns:a="http://schemas.openxmlformats.org/drawingml/2006/main" xmlns:r="http://schemas.openxmlformats.org/officeDocument/2006/relationships" xmlns:p="http://schemas.openxmlformats.org/presentationml/2006/main">
-  <p:cSld>
-    <p:spTree>
-      <p:nvGrpSpPr>
-        <p:cNvPr id="1" name=""/>
-        <p:cNvGrpSpPr/>
-        <p:nvPr/>
-      </p:nvGrpSpPr>
-      <p:grpSpPr>
-        <a:xfrm>
-          <a:off x="0" y="0"/>
-          <a:ext cx="0" cy="0"/>
-          <a:chOff x="0" y="0"/>
-          <a:chExt cx="0" cy="0"/>
-        </a:xfrm>
-      </p:grpSpPr>
-      <p:pic>
-        <p:nvPicPr>
-          <p:cNvPr id="5" name="Imagem 4">
-            <a:extLst>
-              <a:ext uri="{FF2B5EF4-FFF2-40B4-BE49-F238E27FC236}">
-                <a16:creationId xmlns:a16="http://schemas.microsoft.com/office/drawing/2014/main" id="{752AE463-7F03-425D-82D7-EE515F142DD6}"/>
-              </a:ext>
-            </a:extLst>
-          </p:cNvPr>
-          <p:cNvPicPr>
-            <a:picLocks noChangeAspect="1"/>
-          </p:cNvPicPr>
-          <p:nvPr/>
-        </p:nvPicPr>
-        <p:blipFill rotWithShape="1">
-          <a:blip r:embed="rId4">
-            <a:extLst>
-              <a:ext uri="{28A0092B-C50C-407E-A947-70E740481C1C}">
-                <a14:useLocalDpi xmlns:a14="http://schemas.microsoft.com/office/drawing/2010/main" val="0"/>
-              </a:ext>
-            </a:extLst>
-          </a:blip>
-          <a:srcRect t="-1" b="758"/>
-          <a:stretch/>
-        </p:blipFill>
-        <p:spPr>
-          <a:xfrm rot="5400000">
-            <a:off x="5724237" y="390236"/>
-            <a:ext cx="743528" cy="12192002"/>
-          </a:xfrm>
-          <a:prstGeom prst="rect">
-            <a:avLst/>
-          </a:prstGeom>
-        </p:spPr>
-      </p:pic>
-      <p:pic>
-        <p:nvPicPr>
-          <p:cNvPr id="7" name="Imagem 6">
-            <a:extLst>
-              <a:ext uri="{FF2B5EF4-FFF2-40B4-BE49-F238E27FC236}">
-                <a16:creationId xmlns:a16="http://schemas.microsoft.com/office/drawing/2014/main" id="{31209196-6DC4-46B8-8971-CA629BCECAC9}"/>
-              </a:ext>
-            </a:extLst>
-          </p:cNvPr>
-          <p:cNvPicPr>
-            <a:picLocks noChangeAspect="1"/>
-          </p:cNvPicPr>
-          <p:nvPr/>
-        </p:nvPicPr>
-        <p:blipFill rotWithShape="1">
-          <a:blip r:embed="rId5">
-            <a:extLst>
-              <a:ext uri="{28A0092B-C50C-407E-A947-70E740481C1C}">
-                <a14:useLocalDpi xmlns:a14="http://schemas.microsoft.com/office/drawing/2010/main" val="0"/>
-              </a:ext>
-            </a:extLst>
-          </a:blip>
-          <a:srcRect t="606"/>
-          <a:stretch/>
-        </p:blipFill>
-        <p:spPr>
-          <a:xfrm rot="5400000">
-            <a:off x="5724236" y="-5724235"/>
-            <a:ext cx="743530" cy="12192001"/>
-          </a:xfrm>
-          <a:prstGeom prst="rect">
-            <a:avLst/>
-          </a:prstGeom>
-        </p:spPr>
-      </p:pic>
-      <p:sp>
-        <p:nvSpPr>
-          <p:cNvPr id="4" name="TextBox 3">
-            <a:extLst>
-              <a:ext uri="{FF2B5EF4-FFF2-40B4-BE49-F238E27FC236}">
-                <a16:creationId xmlns:a16="http://schemas.microsoft.com/office/drawing/2014/main" id="{36495084-7F7B-4CDE-1480-878E1528F020}"/>
-              </a:ext>
-            </a:extLst>
-          </p:cNvPr>
-          <p:cNvSpPr txBox="1"/>
-          <p:nvPr/>
-        </p:nvSpPr>
-        <p:spPr>
-          <a:xfrm>
-            <a:off x="0" y="6514189"/>
-            <a:ext cx="6094520" cy="369332"/>
-          </a:xfrm>
-          <a:prstGeom prst="rect">
-            <a:avLst/>
-          </a:prstGeom>
-          <a:noFill/>
-        </p:spPr>
-        <p:txBody>
-          <a:bodyPr wrap="square">
-            <a:spAutoFit/>
-          </a:bodyPr>
-          <a:lstStyle/>
-          <a:p>
-            <a:r>
-              <a:rPr lang="si-LK" b="0" i="0" dirty="0">
-                <a:solidFill>
-                  <a:srgbClr val="DCDDDE"/>
-                </a:solidFill>
-                <a:effectLst/>
-                <a:latin typeface="Whitney"/>
-              </a:rPr>
-              <a:t>ඞ</a:t>
-            </a:r>
-            <a:endParaRPr lang="pt-PT" dirty="0"/>
-          </a:p>
-        </p:txBody>
-      </p:sp>
-      <p:sp>
-        <p:nvSpPr>
-          <p:cNvPr id="2" name="CaixaDeTexto 1">
-            <a:extLst>
-              <a:ext uri="{FF2B5EF4-FFF2-40B4-BE49-F238E27FC236}">
-                <a16:creationId xmlns:a16="http://schemas.microsoft.com/office/drawing/2014/main" id="{74D3E29D-F723-D9B2-83E6-2313987CDEAA}"/>
-              </a:ext>
-            </a:extLst>
-          </p:cNvPr>
-          <p:cNvSpPr txBox="1"/>
-          <p:nvPr/>
-        </p:nvSpPr>
-        <p:spPr>
-          <a:xfrm>
-            <a:off x="3681682" y="743531"/>
-            <a:ext cx="4805094" cy="584775"/>
-          </a:xfrm>
-          <a:prstGeom prst="rect">
-            <a:avLst/>
-          </a:prstGeom>
-          <a:noFill/>
-        </p:spPr>
-        <p:txBody>
-          <a:bodyPr wrap="square" rtlCol="0">
-            <a:spAutoFit/>
-          </a:bodyPr>
-          <a:lstStyle/>
-          <a:p>
-            <a:r>
-              <a:rPr lang="pt-PT" sz="3200" b="1" dirty="0">
-                <a:solidFill>
-                  <a:schemeClr val="accent1"/>
-                </a:solidFill>
-              </a:rPr>
-              <a:t>Sumário de </a:t>
-            </a:r>
-            <a:r>
-              <a:rPr lang="pt-PT" sz="3200" b="1" i="1" dirty="0">
-                <a:solidFill>
-                  <a:schemeClr val="accent1"/>
-                </a:solidFill>
-              </a:rPr>
-              <a:t>user evaluation</a:t>
-            </a:r>
-          </a:p>
-        </p:txBody>
-      </p:sp>
-      <p:sp>
-        <p:nvSpPr>
-          <p:cNvPr id="3" name="CaixaDeTexto 2">
-            <a:extLst>
-              <a:ext uri="{FF2B5EF4-FFF2-40B4-BE49-F238E27FC236}">
-                <a16:creationId xmlns:a16="http://schemas.microsoft.com/office/drawing/2014/main" id="{7867F804-96E6-45B5-37D6-49DD41C27736}"/>
-              </a:ext>
-            </a:extLst>
-          </p:cNvPr>
-          <p:cNvSpPr txBox="1"/>
-          <p:nvPr/>
-        </p:nvSpPr>
-        <p:spPr>
-          <a:xfrm>
-            <a:off x="2503499" y="1328306"/>
-            <a:ext cx="7182035" cy="5355312"/>
-          </a:xfrm>
-          <a:prstGeom prst="rect">
-            <a:avLst/>
-          </a:prstGeom>
-          <a:noFill/>
-        </p:spPr>
-        <p:txBody>
-          <a:bodyPr wrap="square" rtlCol="0">
-            <a:spAutoFit/>
-          </a:bodyPr>
-          <a:lstStyle/>
-          <a:p>
-            <a:r>
-              <a:rPr lang="pt-PT" dirty="0"/>
-              <a:t>Todas as avaliações seguiram um guião predefinido composto por uma breve apresentação do protótipo, seguido de algumas perguntas introdutórias, um conjunto de tarefas a executar de forma autónoma e finalmente por uma fase final de perguntas sobre o protótipo e as tarefas.</a:t>
-            </a:r>
-          </a:p>
-          <a:p>
-            <a:endParaRPr lang="pt-PT" dirty="0"/>
-          </a:p>
-          <a:p>
-            <a:r>
-              <a:rPr lang="pt-PT" dirty="0"/>
-              <a:t>Perguntas iniciais</a:t>
-            </a:r>
-            <a:r>
-              <a:rPr lang="pt-PT" b="1" dirty="0"/>
-              <a:t>: Idade, curso e recursos da biblioteca usados</a:t>
-            </a:r>
-            <a:r>
-              <a:rPr lang="pt-PT" dirty="0"/>
-              <a:t>.</a:t>
-            </a:r>
-          </a:p>
-          <a:p>
-            <a:endParaRPr lang="pt-PT" dirty="0"/>
-          </a:p>
-          <a:p>
-            <a:r>
-              <a:rPr lang="pt-PT" dirty="0"/>
-              <a:t>Três tarefas onde se registaram os seguintes dados para cada:</a:t>
-            </a:r>
-          </a:p>
-          <a:p>
-            <a:pPr marL="742950" lvl="1" indent="-285750">
-              <a:buFont typeface="Arial" panose="020B0604020202020204" pitchFamily="34" charset="0"/>
-              <a:buChar char="•"/>
-            </a:pPr>
-            <a:r>
-              <a:rPr lang="pt-PT" dirty="0"/>
-              <a:t>Quantitativos: Tempo de execução, número de cliques, erros e pedidos de ajuda.</a:t>
-            </a:r>
-          </a:p>
-          <a:p>
-            <a:pPr marL="742950" lvl="1" indent="-285750">
-              <a:buFont typeface="Arial" panose="020B0604020202020204" pitchFamily="34" charset="0"/>
-              <a:buChar char="•"/>
-            </a:pPr>
-            <a:r>
-              <a:rPr lang="pt-PT" dirty="0"/>
-              <a:t>Qualitativos: Eficácia, satisfação.</a:t>
-            </a:r>
-          </a:p>
-          <a:p>
-            <a:endParaRPr lang="pt-PT" dirty="0"/>
-          </a:p>
-          <a:p>
-            <a:r>
-              <a:rPr lang="pt-PT" dirty="0"/>
-              <a:t>Perguntas finais: </a:t>
-            </a:r>
-            <a:r>
-              <a:rPr lang="pt-PT" b="1" dirty="0"/>
-              <a:t>Se utilizaria e/ou recomendaria o sistema, se o acha consistente, acha fácil de usar ou é desnecessariamente complexo e avaliação estética.</a:t>
-            </a:r>
-          </a:p>
-          <a:p>
-            <a:r>
-              <a:rPr lang="pt-PT" dirty="0"/>
-              <a:t>Os utilizadores também tinham uma área livre onde podiam deixar feedback ou sugestões extra.</a:t>
-            </a:r>
-          </a:p>
-          <a:p>
-            <a:pPr marL="285750" indent="-285750">
-              <a:buFont typeface="Arial" panose="020B0604020202020204" pitchFamily="34" charset="0"/>
-              <a:buChar char="•"/>
-            </a:pPr>
-            <a:endParaRPr lang="pt-PT" dirty="0"/>
-          </a:p>
-          <a:p>
-            <a:endParaRPr lang="pt-PT" dirty="0"/>
-          </a:p>
-        </p:txBody>
-      </p:sp>
-    </p:spTree>
-    <p:custDataLst>
-      <p:tags r:id="rId1"/>
-    </p:custDataLst>
-    <p:extLst>
-      <p:ext uri="{BB962C8B-B14F-4D97-AF65-F5344CB8AC3E}">
-        <p14:creationId xmlns:p14="http://schemas.microsoft.com/office/powerpoint/2010/main" val="1552002603"/>
-      </p:ext>
-    </p:extLst>
-  </p:cSld>
-  <p:clrMapOvr>
-    <a:masterClrMapping/>
-  </p:clrMapOvr>
-</p:sld>
-</file>
-
 <file path=ppt/slides/slide9.xml><?xml version="1.0" encoding="utf-8"?>
 <p:sld xmlns:a="http://schemas.openxmlformats.org/drawingml/2006/main" xmlns:r="http://schemas.openxmlformats.org/officeDocument/2006/relationships" xmlns:p="http://schemas.openxmlformats.org/presentationml/2006/main">
   <p:cSld>
@@ -10555,8 +11174,8 @@
         </p:nvSpPr>
         <p:spPr>
           <a:xfrm>
-            <a:off x="3673022" y="743531"/>
-            <a:ext cx="4804228" cy="584775"/>
+            <a:off x="3681682" y="743531"/>
+            <a:ext cx="4805094" cy="584775"/>
           </a:xfrm>
           <a:prstGeom prst="rect">
             <a:avLst/>
@@ -10585,20 +11204,15 @@
               </a:rPr>
               <a:t>user evaluation</a:t>
             </a:r>
-            <a:endParaRPr lang="pt-PT" sz="3200" b="1" dirty="0">
-              <a:solidFill>
-                <a:schemeClr val="accent1"/>
-              </a:solidFill>
-            </a:endParaRPr>
-          </a:p>
-        </p:txBody>
-      </p:sp>
-      <p:sp>
-        <p:nvSpPr>
-          <p:cNvPr id="6" name="CaixaDeTexto 5">
-            <a:extLst>
-              <a:ext uri="{FF2B5EF4-FFF2-40B4-BE49-F238E27FC236}">
-                <a16:creationId xmlns:a16="http://schemas.microsoft.com/office/drawing/2014/main" id="{FA5B0B92-204D-1548-258D-4A4B04855741}"/>
+          </a:p>
+        </p:txBody>
+      </p:sp>
+      <p:sp>
+        <p:nvSpPr>
+          <p:cNvPr id="3" name="CaixaDeTexto 2">
+            <a:extLst>
+              <a:ext uri="{FF2B5EF4-FFF2-40B4-BE49-F238E27FC236}">
+                <a16:creationId xmlns:a16="http://schemas.microsoft.com/office/drawing/2014/main" id="{7867F804-96E6-45B5-37D6-49DD41C27736}"/>
               </a:ext>
             </a:extLst>
           </p:cNvPr>
@@ -10607,8 +11221,8 @@
         </p:nvSpPr>
         <p:spPr>
           <a:xfrm>
-            <a:off x="3033944" y="1651789"/>
-            <a:ext cx="6121152" cy="2585323"/>
+            <a:off x="2503499" y="1328306"/>
+            <a:ext cx="7182035" cy="5355312"/>
           </a:xfrm>
           <a:prstGeom prst="rect">
             <a:avLst/>
@@ -10616,18 +11230,31 @@
           <a:noFill/>
         </p:spPr>
         <p:txBody>
-          <a:bodyPr wrap="square">
+          <a:bodyPr wrap="square" rtlCol="0">
             <a:spAutoFit/>
           </a:bodyPr>
           <a:lstStyle/>
           <a:p>
             <a:r>
               <a:rPr lang="pt-PT" dirty="0"/>
-              <a:t>O protótipo foi apresentado a 10 pessoas distintas, todas </a:t>
+              <a:t>Todas as avaliações seguiram um guião predefinido composto por uma breve apresentação do protótipo, seguido de algumas perguntas introdutórias, um conjunto de tarefas a executar de forma autónoma e finalmente por uma fase final de perguntas sobre o protótipo e as tarefas.</a:t>
+            </a:r>
+          </a:p>
+          <a:p>
+            <a:endParaRPr lang="pt-PT" dirty="0"/>
+          </a:p>
+          <a:p>
+            <a:r>
+              <a:rPr lang="pt-PT" dirty="0"/>
+              <a:t>Perguntas iniciais</a:t>
             </a:r>
             <a:r>
               <a:rPr lang="pt-PT" b="1" dirty="0"/>
-              <a:t>estudantes na FEUP e utentes da biblioteca.</a:t>
+              <a:t>: Idade, curso e recursos da biblioteca usados</a:t>
+            </a:r>
+            <a:r>
+              <a:rPr lang="pt-PT" dirty="0"/>
+              <a:t>.</a:t>
             </a:r>
           </a:p>
           <a:p>
@@ -10636,7 +11263,46 @@
           <a:p>
             <a:r>
               <a:rPr lang="pt-PT" dirty="0"/>
-              <a:t>Sobre estes participantes recolhemos os seguintes dados:</a:t>
+              <a:t>Três tarefas onde se registaram os seguintes dados para cada:</a:t>
+            </a:r>
+          </a:p>
+          <a:p>
+            <a:pPr marL="742950" lvl="1" indent="-285750">
+              <a:buFont typeface="Arial" panose="020B0604020202020204" pitchFamily="34" charset="0"/>
+              <a:buChar char="•"/>
+            </a:pPr>
+            <a:r>
+              <a:rPr lang="pt-PT" dirty="0"/>
+              <a:t>Quantitativos: Tempo de execução, número de cliques, erros e pedidos de ajuda.</a:t>
+            </a:r>
+          </a:p>
+          <a:p>
+            <a:pPr marL="742950" lvl="1" indent="-285750">
+              <a:buFont typeface="Arial" panose="020B0604020202020204" pitchFamily="34" charset="0"/>
+              <a:buChar char="•"/>
+            </a:pPr>
+            <a:r>
+              <a:rPr lang="pt-PT" dirty="0"/>
+              <a:t>Qualitativos: Eficácia, satisfação.</a:t>
+            </a:r>
+          </a:p>
+          <a:p>
+            <a:endParaRPr lang="pt-PT" dirty="0"/>
+          </a:p>
+          <a:p>
+            <a:r>
+              <a:rPr lang="pt-PT" dirty="0"/>
+              <a:t>Perguntas finais: </a:t>
+            </a:r>
+            <a:r>
+              <a:rPr lang="pt-PT" b="1" dirty="0"/>
+              <a:t>Se utilizaria e/ou recomendaria o sistema, se o acha consistente, acha fácil de usar ou é desnecessariamente complexo e avaliação estética.</a:t>
+            </a:r>
+          </a:p>
+          <a:p>
+            <a:r>
+              <a:rPr lang="pt-PT" dirty="0"/>
+              <a:t>Os utilizadores também tinham uma área livre onde podiam deixar feedback ou sugestões extra.</a:t>
             </a:r>
           </a:p>
           <a:p>
@@ -10644,127 +11310,10 @@
               <a:buFont typeface="Arial" panose="020B0604020202020204" pitchFamily="34" charset="0"/>
               <a:buChar char="•"/>
             </a:pPr>
-            <a:r>
-              <a:rPr lang="pt-PT" dirty="0"/>
-              <a:t>A </a:t>
-            </a:r>
-            <a:r>
-              <a:rPr lang="pt-PT" b="1" dirty="0"/>
-              <a:t>maioria</a:t>
-            </a:r>
-            <a:r>
-              <a:rPr lang="pt-PT" dirty="0"/>
-              <a:t> tem </a:t>
-            </a:r>
-            <a:r>
-              <a:rPr lang="pt-PT" b="1" dirty="0">
-                <a:solidFill>
-                  <a:schemeClr val="accent1"/>
-                </a:solidFill>
-              </a:rPr>
-              <a:t>20 anos </a:t>
-            </a:r>
-            <a:r>
-              <a:rPr lang="pt-PT" b="1" dirty="0"/>
-              <a:t>(60%);</a:t>
-            </a:r>
             <a:endParaRPr lang="pt-PT" dirty="0"/>
           </a:p>
           <a:p>
-            <a:pPr marL="285750" indent="-285750">
-              <a:buFont typeface="Arial" panose="020B0604020202020204" pitchFamily="34" charset="0"/>
-              <a:buChar char="•"/>
-            </a:pPr>
-            <a:r>
-              <a:rPr lang="pt-PT" b="1" dirty="0"/>
-              <a:t>Todos</a:t>
-            </a:r>
-            <a:r>
-              <a:rPr lang="pt-PT" dirty="0"/>
-              <a:t> frequentam a </a:t>
-            </a:r>
-            <a:r>
-              <a:rPr lang="pt-PT" b="1" dirty="0">
-                <a:solidFill>
-                  <a:schemeClr val="accent1"/>
-                </a:solidFill>
-              </a:rPr>
-              <a:t>LEIC</a:t>
-            </a:r>
-            <a:r>
-              <a:rPr lang="pt-PT" dirty="0"/>
-              <a:t> </a:t>
-            </a:r>
-            <a:r>
-              <a:rPr lang="pt-PT" b="1" dirty="0"/>
-              <a:t>(100%);</a:t>
-            </a:r>
             <a:endParaRPr lang="pt-PT" dirty="0"/>
-          </a:p>
-          <a:p>
-            <a:pPr marL="285750" indent="-285750">
-              <a:buFont typeface="Arial" panose="020B0604020202020204" pitchFamily="34" charset="0"/>
-              <a:buChar char="•"/>
-            </a:pPr>
-            <a:r>
-              <a:rPr lang="pt-PT" b="1" dirty="0"/>
-              <a:t>Metade</a:t>
-            </a:r>
-            <a:r>
-              <a:rPr lang="pt-PT" dirty="0"/>
-              <a:t> tem conhecimento do site da biblioteca </a:t>
-            </a:r>
-            <a:r>
-              <a:rPr lang="pt-PT" b="1" dirty="0"/>
-              <a:t>(50%);</a:t>
-            </a:r>
-            <a:endParaRPr lang="pt-PT" dirty="0"/>
-          </a:p>
-          <a:p>
-            <a:pPr marL="285750" indent="-285750">
-              <a:buFont typeface="Arial" panose="020B0604020202020204" pitchFamily="34" charset="0"/>
-              <a:buChar char="•"/>
-            </a:pPr>
-            <a:r>
-              <a:rPr lang="pt-PT" dirty="0"/>
-              <a:t>A</a:t>
-            </a:r>
-            <a:r>
-              <a:rPr lang="pt-PT" b="1" dirty="0"/>
-              <a:t> grande maioria </a:t>
-            </a:r>
-            <a:r>
-              <a:rPr lang="pt-PT" dirty="0"/>
-              <a:t>nunca </a:t>
-            </a:r>
-            <a:r>
-              <a:rPr lang="pt-PT" b="1" dirty="0">
-                <a:solidFill>
-                  <a:schemeClr val="accent1"/>
-                </a:solidFill>
-              </a:rPr>
-              <a:t>requisitou livros </a:t>
-            </a:r>
-            <a:r>
-              <a:rPr lang="pt-PT" dirty="0"/>
-              <a:t>na biblioteca ou </a:t>
-            </a:r>
-            <a:r>
-              <a:rPr lang="pt-PT" b="1" dirty="0">
-                <a:solidFill>
-                  <a:schemeClr val="accent1"/>
-                </a:solidFill>
-              </a:rPr>
-              <a:t>salas de estudo </a:t>
-            </a:r>
-            <a:r>
-              <a:rPr lang="pt-PT" b="1" dirty="0"/>
-              <a:t>(90%)</a:t>
-            </a:r>
-            <a:r>
-              <a:rPr lang="pt-PT" dirty="0"/>
-              <a:t> .</a:t>
-            </a:r>
           </a:p>
         </p:txBody>
       </p:sp>
@@ -10774,7 +11323,7 @@
     </p:custDataLst>
     <p:extLst>
       <p:ext uri="{BB962C8B-B14F-4D97-AF65-F5344CB8AC3E}">
-        <p14:creationId xmlns:p14="http://schemas.microsoft.com/office/powerpoint/2010/main" val="3610082522"/>
+        <p14:creationId xmlns:p14="http://schemas.microsoft.com/office/powerpoint/2010/main" val="1552002603"/>
       </p:ext>
     </p:extLst>
   </p:cSld>
@@ -10803,6 +11352,12 @@
 </file>
 
 <file path=ppt/tags/tag12.xml><?xml version="1.0" encoding="utf-8"?>
+<p:tagLst xmlns:a="http://schemas.openxmlformats.org/drawingml/2006/main" xmlns:r="http://schemas.openxmlformats.org/officeDocument/2006/relationships" xmlns:p="http://schemas.openxmlformats.org/presentationml/2006/main">
+  <p:tag name="TIMING" val="|4.9|10|4.6|4.5|2.5|10.2"/>
+</p:tagLst>
+</file>
+
+<file path=ppt/tags/tag13.xml><?xml version="1.0" encoding="utf-8"?>
 <p:tagLst xmlns:a="http://schemas.openxmlformats.org/drawingml/2006/main" xmlns:r="http://schemas.openxmlformats.org/officeDocument/2006/relationships" xmlns:p="http://schemas.openxmlformats.org/presentationml/2006/main">
   <p:tag name="TIMING" val="|4.9|10|4.6|4.5|2.5|10.2"/>
 </p:tagLst>
